--- a/Share/每周命题游戏设计/李硕/结账.pptx
+++ b/Share/每周命题游戏设计/李硕/结账.pptx
@@ -5,8 +5,12 @@
     <p:sldMasterId id="2147483648" r:id="rId1"/>
   </p:sldMasterIdLst>
   <p:sldIdLst>
-    <p:sldId id="256" r:id="rId3"/>
-    <p:sldId id="257" r:id="rId4"/>
+    <p:sldId id="256" r:id="rId2"/>
+    <p:sldId id="257" r:id="rId3"/>
+    <p:sldId id="258" r:id="rId4"/>
+    <p:sldId id="260" r:id="rId5"/>
+    <p:sldId id="259" r:id="rId6"/>
+    <p:sldId id="261" r:id="rId7"/>
   </p:sldIdLst>
   <p:sldSz cx="12192000" cy="6858000"/>
   <p:notesSz cx="6858000" cy="9144000"/>
@@ -105,6 +109,11 @@
       </a:defRPr>
     </a:lvl9pPr>
   </p:defaultTextStyle>
+  <p:extLst>
+    <p:ext uri="{EFAFB233-063F-42B5-8137-9DF3F51BA10A}">
+      <p15:sldGuideLst xmlns:p15="http://schemas.microsoft.com/office/powerpoint/2012/main"/>
+    </p:ext>
+  </p:extLst>
 </p:presentation>
 </file>
 
@@ -239,6 +248,7 @@
           <a:p>
             <a:fld id="{D997B5FA-0921-464F-AAE1-844C04324D75}" type="datetimeFigureOut">
               <a:rPr lang="zh-CN" altLang="en-US" smtClean="0"/>
+              <a:t>2018/7/8</a:t>
             </a:fld>
             <a:endParaRPr lang="zh-CN" altLang="en-US"/>
           </a:p>
@@ -280,6 +290,7 @@
           <a:p>
             <a:fld id="{565CE74E-AB26-4998-AD42-012C4C1AD076}" type="slidenum">
               <a:rPr lang="zh-CN" altLang="en-US" smtClean="0"/>
+              <a:t>‹#›</a:t>
             </a:fld>
             <a:endParaRPr lang="zh-CN" altLang="en-US"/>
           </a:p>
@@ -353,7 +364,6 @@
               <a:rPr lang="zh-CN" altLang="en-US" smtClean="0"/>
               <a:t>单击此处编辑母版文本样式</a:t>
             </a:r>
-            <a:endParaRPr lang="zh-CN" altLang="en-US" smtClean="0"/>
           </a:p>
           <a:p>
             <a:pPr lvl="1"/>
@@ -361,7 +371,6 @@
               <a:rPr lang="zh-CN" altLang="en-US" smtClean="0"/>
               <a:t>第二级</a:t>
             </a:r>
-            <a:endParaRPr lang="zh-CN" altLang="en-US" smtClean="0"/>
           </a:p>
           <a:p>
             <a:pPr lvl="2"/>
@@ -369,7 +378,6 @@
               <a:rPr lang="zh-CN" altLang="en-US" smtClean="0"/>
               <a:t>第三级</a:t>
             </a:r>
-            <a:endParaRPr lang="zh-CN" altLang="en-US" smtClean="0"/>
           </a:p>
           <a:p>
             <a:pPr lvl="3"/>
@@ -377,7 +385,6 @@
               <a:rPr lang="zh-CN" altLang="en-US" smtClean="0"/>
               <a:t>第四级</a:t>
             </a:r>
-            <a:endParaRPr lang="zh-CN" altLang="en-US" smtClean="0"/>
           </a:p>
           <a:p>
             <a:pPr lvl="4"/>
@@ -406,6 +413,7 @@
           <a:p>
             <a:fld id="{D997B5FA-0921-464F-AAE1-844C04324D75}" type="datetimeFigureOut">
               <a:rPr lang="zh-CN" altLang="en-US" smtClean="0"/>
+              <a:t>2018/7/8</a:t>
             </a:fld>
             <a:endParaRPr lang="zh-CN" altLang="en-US"/>
           </a:p>
@@ -447,6 +455,7 @@
           <a:p>
             <a:fld id="{565CE74E-AB26-4998-AD42-012C4C1AD076}" type="slidenum">
               <a:rPr lang="zh-CN" altLang="en-US" smtClean="0"/>
+              <a:t>‹#›</a:t>
             </a:fld>
             <a:endParaRPr lang="zh-CN" altLang="en-US"/>
           </a:p>
@@ -530,7 +539,6 @@
               <a:rPr lang="zh-CN" altLang="en-US" smtClean="0"/>
               <a:t>单击此处编辑母版文本样式</a:t>
             </a:r>
-            <a:endParaRPr lang="zh-CN" altLang="en-US" smtClean="0"/>
           </a:p>
           <a:p>
             <a:pPr lvl="1"/>
@@ -538,7 +546,6 @@
               <a:rPr lang="zh-CN" altLang="en-US" smtClean="0"/>
               <a:t>第二级</a:t>
             </a:r>
-            <a:endParaRPr lang="zh-CN" altLang="en-US" smtClean="0"/>
           </a:p>
           <a:p>
             <a:pPr lvl="2"/>
@@ -546,7 +553,6 @@
               <a:rPr lang="zh-CN" altLang="en-US" smtClean="0"/>
               <a:t>第三级</a:t>
             </a:r>
-            <a:endParaRPr lang="zh-CN" altLang="en-US" smtClean="0"/>
           </a:p>
           <a:p>
             <a:pPr lvl="3"/>
@@ -554,7 +560,6 @@
               <a:rPr lang="zh-CN" altLang="en-US" smtClean="0"/>
               <a:t>第四级</a:t>
             </a:r>
-            <a:endParaRPr lang="zh-CN" altLang="en-US" smtClean="0"/>
           </a:p>
           <a:p>
             <a:pPr lvl="4"/>
@@ -583,6 +588,7 @@
           <a:p>
             <a:fld id="{D997B5FA-0921-464F-AAE1-844C04324D75}" type="datetimeFigureOut">
               <a:rPr lang="zh-CN" altLang="en-US" smtClean="0"/>
+              <a:t>2018/7/8</a:t>
             </a:fld>
             <a:endParaRPr lang="zh-CN" altLang="en-US"/>
           </a:p>
@@ -624,6 +630,7 @@
           <a:p>
             <a:fld id="{565CE74E-AB26-4998-AD42-012C4C1AD076}" type="slidenum">
               <a:rPr lang="zh-CN" altLang="en-US" smtClean="0"/>
+              <a:t>‹#›</a:t>
             </a:fld>
             <a:endParaRPr lang="zh-CN" altLang="en-US"/>
           </a:p>
@@ -697,7 +704,6 @@
               <a:rPr lang="zh-CN" altLang="en-US" smtClean="0"/>
               <a:t>单击此处编辑母版文本样式</a:t>
             </a:r>
-            <a:endParaRPr lang="zh-CN" altLang="en-US" smtClean="0"/>
           </a:p>
           <a:p>
             <a:pPr lvl="1"/>
@@ -705,7 +711,6 @@
               <a:rPr lang="zh-CN" altLang="en-US" smtClean="0"/>
               <a:t>第二级</a:t>
             </a:r>
-            <a:endParaRPr lang="zh-CN" altLang="en-US" smtClean="0"/>
           </a:p>
           <a:p>
             <a:pPr lvl="2"/>
@@ -713,7 +718,6 @@
               <a:rPr lang="zh-CN" altLang="en-US" smtClean="0"/>
               <a:t>第三级</a:t>
             </a:r>
-            <a:endParaRPr lang="zh-CN" altLang="en-US" smtClean="0"/>
           </a:p>
           <a:p>
             <a:pPr lvl="3"/>
@@ -721,7 +725,6 @@
               <a:rPr lang="zh-CN" altLang="en-US" smtClean="0"/>
               <a:t>第四级</a:t>
             </a:r>
-            <a:endParaRPr lang="zh-CN" altLang="en-US" smtClean="0"/>
           </a:p>
           <a:p>
             <a:pPr lvl="4"/>
@@ -750,6 +753,7 @@
           <a:p>
             <a:fld id="{D997B5FA-0921-464F-AAE1-844C04324D75}" type="datetimeFigureOut">
               <a:rPr lang="zh-CN" altLang="en-US" smtClean="0"/>
+              <a:t>2018/7/8</a:t>
             </a:fld>
             <a:endParaRPr lang="zh-CN" altLang="en-US"/>
           </a:p>
@@ -791,6 +795,7 @@
           <a:p>
             <a:fld id="{565CE74E-AB26-4998-AD42-012C4C1AD076}" type="slidenum">
               <a:rPr lang="zh-CN" altLang="en-US" smtClean="0"/>
+              <a:t>‹#›</a:t>
             </a:fld>
             <a:endParaRPr lang="zh-CN" altLang="en-US"/>
           </a:p>
@@ -969,7 +974,6 @@
               <a:rPr lang="zh-CN" altLang="en-US" smtClean="0"/>
               <a:t>单击此处编辑母版文本样式</a:t>
             </a:r>
-            <a:endParaRPr lang="zh-CN" altLang="en-US" smtClean="0"/>
           </a:p>
         </p:txBody>
       </p:sp>
@@ -990,6 +994,7 @@
           <a:p>
             <a:fld id="{D997B5FA-0921-464F-AAE1-844C04324D75}" type="datetimeFigureOut">
               <a:rPr lang="zh-CN" altLang="en-US" smtClean="0"/>
+              <a:t>2018/7/8</a:t>
             </a:fld>
             <a:endParaRPr lang="zh-CN" altLang="en-US"/>
           </a:p>
@@ -1031,6 +1036,7 @@
           <a:p>
             <a:fld id="{565CE74E-AB26-4998-AD42-012C4C1AD076}" type="slidenum">
               <a:rPr lang="zh-CN" altLang="en-US" smtClean="0"/>
+              <a:t>‹#›</a:t>
             </a:fld>
             <a:endParaRPr lang="zh-CN" altLang="en-US"/>
           </a:p>
@@ -1109,7 +1115,6 @@
               <a:rPr lang="zh-CN" altLang="en-US" smtClean="0"/>
               <a:t>单击此处编辑母版文本样式</a:t>
             </a:r>
-            <a:endParaRPr lang="zh-CN" altLang="en-US" smtClean="0"/>
           </a:p>
           <a:p>
             <a:pPr lvl="1"/>
@@ -1117,7 +1122,6 @@
               <a:rPr lang="zh-CN" altLang="en-US" smtClean="0"/>
               <a:t>第二级</a:t>
             </a:r>
-            <a:endParaRPr lang="zh-CN" altLang="en-US" smtClean="0"/>
           </a:p>
           <a:p>
             <a:pPr lvl="2"/>
@@ -1125,7 +1129,6 @@
               <a:rPr lang="zh-CN" altLang="en-US" smtClean="0"/>
               <a:t>第三级</a:t>
             </a:r>
-            <a:endParaRPr lang="zh-CN" altLang="en-US" smtClean="0"/>
           </a:p>
           <a:p>
             <a:pPr lvl="3"/>
@@ -1133,7 +1136,6 @@
               <a:rPr lang="zh-CN" altLang="en-US" smtClean="0"/>
               <a:t>第四级</a:t>
             </a:r>
-            <a:endParaRPr lang="zh-CN" altLang="en-US" smtClean="0"/>
           </a:p>
           <a:p>
             <a:pPr lvl="4"/>
@@ -1170,7 +1172,6 @@
               <a:rPr lang="zh-CN" altLang="en-US" smtClean="0"/>
               <a:t>单击此处编辑母版文本样式</a:t>
             </a:r>
-            <a:endParaRPr lang="zh-CN" altLang="en-US" smtClean="0"/>
           </a:p>
           <a:p>
             <a:pPr lvl="1"/>
@@ -1178,7 +1179,6 @@
               <a:rPr lang="zh-CN" altLang="en-US" smtClean="0"/>
               <a:t>第二级</a:t>
             </a:r>
-            <a:endParaRPr lang="zh-CN" altLang="en-US" smtClean="0"/>
           </a:p>
           <a:p>
             <a:pPr lvl="2"/>
@@ -1186,7 +1186,6 @@
               <a:rPr lang="zh-CN" altLang="en-US" smtClean="0"/>
               <a:t>第三级</a:t>
             </a:r>
-            <a:endParaRPr lang="zh-CN" altLang="en-US" smtClean="0"/>
           </a:p>
           <a:p>
             <a:pPr lvl="3"/>
@@ -1194,7 +1193,6 @@
               <a:rPr lang="zh-CN" altLang="en-US" smtClean="0"/>
               <a:t>第四级</a:t>
             </a:r>
-            <a:endParaRPr lang="zh-CN" altLang="en-US" smtClean="0"/>
           </a:p>
           <a:p>
             <a:pPr lvl="4"/>
@@ -1223,6 +1221,7 @@
           <a:p>
             <a:fld id="{D997B5FA-0921-464F-AAE1-844C04324D75}" type="datetimeFigureOut">
               <a:rPr lang="zh-CN" altLang="en-US" smtClean="0"/>
+              <a:t>2018/7/8</a:t>
             </a:fld>
             <a:endParaRPr lang="zh-CN" altLang="en-US"/>
           </a:p>
@@ -1264,6 +1263,7 @@
           <a:p>
             <a:fld id="{565CE74E-AB26-4998-AD42-012C4C1AD076}" type="slidenum">
               <a:rPr lang="zh-CN" altLang="en-US" smtClean="0"/>
+              <a:t>‹#›</a:t>
             </a:fld>
             <a:endParaRPr lang="zh-CN" altLang="en-US"/>
           </a:p>
@@ -1384,7 +1384,6 @@
               <a:rPr lang="zh-CN" altLang="en-US" smtClean="0"/>
               <a:t>单击此处编辑母版文本样式</a:t>
             </a:r>
-            <a:endParaRPr lang="zh-CN" altLang="en-US" smtClean="0"/>
           </a:p>
         </p:txBody>
       </p:sp>
@@ -1413,7 +1412,6 @@
               <a:rPr lang="zh-CN" altLang="en-US" smtClean="0"/>
               <a:t>单击此处编辑母版文本样式</a:t>
             </a:r>
-            <a:endParaRPr lang="zh-CN" altLang="en-US" smtClean="0"/>
           </a:p>
           <a:p>
             <a:pPr lvl="1"/>
@@ -1421,7 +1419,6 @@
               <a:rPr lang="zh-CN" altLang="en-US" smtClean="0"/>
               <a:t>第二级</a:t>
             </a:r>
-            <a:endParaRPr lang="zh-CN" altLang="en-US" smtClean="0"/>
           </a:p>
           <a:p>
             <a:pPr lvl="2"/>
@@ -1429,7 +1426,6 @@
               <a:rPr lang="zh-CN" altLang="en-US" smtClean="0"/>
               <a:t>第三级</a:t>
             </a:r>
-            <a:endParaRPr lang="zh-CN" altLang="en-US" smtClean="0"/>
           </a:p>
           <a:p>
             <a:pPr lvl="3"/>
@@ -1437,7 +1433,6 @@
               <a:rPr lang="zh-CN" altLang="en-US" smtClean="0"/>
               <a:t>第四级</a:t>
             </a:r>
-            <a:endParaRPr lang="zh-CN" altLang="en-US" smtClean="0"/>
           </a:p>
           <a:p>
             <a:pPr lvl="4"/>
@@ -1511,7 +1506,6 @@
               <a:rPr lang="zh-CN" altLang="en-US" smtClean="0"/>
               <a:t>单击此处编辑母版文本样式</a:t>
             </a:r>
-            <a:endParaRPr lang="zh-CN" altLang="en-US" smtClean="0"/>
           </a:p>
         </p:txBody>
       </p:sp>
@@ -1540,7 +1534,6 @@
               <a:rPr lang="zh-CN" altLang="en-US" smtClean="0"/>
               <a:t>单击此处编辑母版文本样式</a:t>
             </a:r>
-            <a:endParaRPr lang="zh-CN" altLang="en-US" smtClean="0"/>
           </a:p>
           <a:p>
             <a:pPr lvl="1"/>
@@ -1548,7 +1541,6 @@
               <a:rPr lang="zh-CN" altLang="en-US" smtClean="0"/>
               <a:t>第二级</a:t>
             </a:r>
-            <a:endParaRPr lang="zh-CN" altLang="en-US" smtClean="0"/>
           </a:p>
           <a:p>
             <a:pPr lvl="2"/>
@@ -1556,7 +1548,6 @@
               <a:rPr lang="zh-CN" altLang="en-US" smtClean="0"/>
               <a:t>第三级</a:t>
             </a:r>
-            <a:endParaRPr lang="zh-CN" altLang="en-US" smtClean="0"/>
           </a:p>
           <a:p>
             <a:pPr lvl="3"/>
@@ -1564,7 +1555,6 @@
               <a:rPr lang="zh-CN" altLang="en-US" smtClean="0"/>
               <a:t>第四级</a:t>
             </a:r>
-            <a:endParaRPr lang="zh-CN" altLang="en-US" smtClean="0"/>
           </a:p>
           <a:p>
             <a:pPr lvl="4"/>
@@ -1593,6 +1583,7 @@
           <a:p>
             <a:fld id="{D997B5FA-0921-464F-AAE1-844C04324D75}" type="datetimeFigureOut">
               <a:rPr lang="zh-CN" altLang="en-US" smtClean="0"/>
+              <a:t>2018/7/8</a:t>
             </a:fld>
             <a:endParaRPr lang="zh-CN" altLang="en-US"/>
           </a:p>
@@ -1634,6 +1625,7 @@
           <a:p>
             <a:fld id="{565CE74E-AB26-4998-AD42-012C4C1AD076}" type="slidenum">
               <a:rPr lang="zh-CN" altLang="en-US" smtClean="0"/>
+              <a:t>‹#›</a:t>
             </a:fld>
             <a:endParaRPr lang="zh-CN" altLang="en-US"/>
           </a:p>
@@ -1704,6 +1696,7 @@
           <a:p>
             <a:fld id="{D997B5FA-0921-464F-AAE1-844C04324D75}" type="datetimeFigureOut">
               <a:rPr lang="zh-CN" altLang="en-US" smtClean="0"/>
+              <a:t>2018/7/8</a:t>
             </a:fld>
             <a:endParaRPr lang="zh-CN" altLang="en-US"/>
           </a:p>
@@ -1745,6 +1738,7 @@
           <a:p>
             <a:fld id="{565CE74E-AB26-4998-AD42-012C4C1AD076}" type="slidenum">
               <a:rPr lang="zh-CN" altLang="en-US" smtClean="0"/>
+              <a:t>‹#›</a:t>
             </a:fld>
             <a:endParaRPr lang="zh-CN" altLang="en-US"/>
           </a:p>
@@ -1792,6 +1786,7 @@
           <a:p>
             <a:fld id="{D997B5FA-0921-464F-AAE1-844C04324D75}" type="datetimeFigureOut">
               <a:rPr lang="zh-CN" altLang="en-US" smtClean="0"/>
+              <a:t>2018/7/8</a:t>
             </a:fld>
             <a:endParaRPr lang="zh-CN" altLang="en-US"/>
           </a:p>
@@ -1833,6 +1828,7 @@
           <a:p>
             <a:fld id="{565CE74E-AB26-4998-AD42-012C4C1AD076}" type="slidenum">
               <a:rPr lang="zh-CN" altLang="en-US" smtClean="0"/>
+              <a:t>‹#›</a:t>
             </a:fld>
             <a:endParaRPr lang="zh-CN" altLang="en-US"/>
           </a:p>
@@ -1948,7 +1944,6 @@
               <a:rPr lang="zh-CN" altLang="en-US" smtClean="0"/>
               <a:t>单击此处编辑母版文本样式</a:t>
             </a:r>
-            <a:endParaRPr lang="zh-CN" altLang="en-US" smtClean="0"/>
           </a:p>
           <a:p>
             <a:pPr lvl="1"/>
@@ -1956,7 +1951,6 @@
               <a:rPr lang="zh-CN" altLang="en-US" smtClean="0"/>
               <a:t>第二级</a:t>
             </a:r>
-            <a:endParaRPr lang="zh-CN" altLang="en-US" smtClean="0"/>
           </a:p>
           <a:p>
             <a:pPr lvl="2"/>
@@ -1964,7 +1958,6 @@
               <a:rPr lang="zh-CN" altLang="en-US" smtClean="0"/>
               <a:t>第三级</a:t>
             </a:r>
-            <a:endParaRPr lang="zh-CN" altLang="en-US" smtClean="0"/>
           </a:p>
           <a:p>
             <a:pPr lvl="3"/>
@@ -1972,7 +1965,6 @@
               <a:rPr lang="zh-CN" altLang="en-US" smtClean="0"/>
               <a:t>第四级</a:t>
             </a:r>
-            <a:endParaRPr lang="zh-CN" altLang="en-US" smtClean="0"/>
           </a:p>
           <a:p>
             <a:pPr lvl="4"/>
@@ -2046,7 +2038,6 @@
               <a:rPr lang="zh-CN" altLang="en-US" smtClean="0"/>
               <a:t>单击此处编辑母版文本样式</a:t>
             </a:r>
-            <a:endParaRPr lang="zh-CN" altLang="en-US" smtClean="0"/>
           </a:p>
         </p:txBody>
       </p:sp>
@@ -2067,6 +2058,7 @@
           <a:p>
             <a:fld id="{D997B5FA-0921-464F-AAE1-844C04324D75}" type="datetimeFigureOut">
               <a:rPr lang="zh-CN" altLang="en-US" smtClean="0"/>
+              <a:t>2018/7/8</a:t>
             </a:fld>
             <a:endParaRPr lang="zh-CN" altLang="en-US"/>
           </a:p>
@@ -2108,6 +2100,7 @@
           <a:p>
             <a:fld id="{565CE74E-AB26-4998-AD42-012C4C1AD076}" type="slidenum">
               <a:rPr lang="zh-CN" altLang="en-US" smtClean="0"/>
+              <a:t>‹#›</a:t>
             </a:fld>
             <a:endParaRPr lang="zh-CN" altLang="en-US"/>
           </a:p>
@@ -2293,7 +2286,6 @@
               <a:rPr lang="zh-CN" altLang="en-US" smtClean="0"/>
               <a:t>单击此处编辑母版文本样式</a:t>
             </a:r>
-            <a:endParaRPr lang="zh-CN" altLang="en-US" smtClean="0"/>
           </a:p>
         </p:txBody>
       </p:sp>
@@ -2314,6 +2306,7 @@
           <a:p>
             <a:fld id="{D997B5FA-0921-464F-AAE1-844C04324D75}" type="datetimeFigureOut">
               <a:rPr lang="zh-CN" altLang="en-US" smtClean="0"/>
+              <a:t>2018/7/8</a:t>
             </a:fld>
             <a:endParaRPr lang="zh-CN" altLang="en-US"/>
           </a:p>
@@ -2355,6 +2348,7 @@
           <a:p>
             <a:fld id="{565CE74E-AB26-4998-AD42-012C4C1AD076}" type="slidenum">
               <a:rPr lang="zh-CN" altLang="en-US" smtClean="0"/>
+              <a:t>‹#›</a:t>
             </a:fld>
             <a:endParaRPr lang="zh-CN" altLang="en-US"/>
           </a:p>
@@ -2453,7 +2447,6 @@
               <a:rPr lang="zh-CN" altLang="en-US" smtClean="0"/>
               <a:t>单击此处编辑母版文本样式</a:t>
             </a:r>
-            <a:endParaRPr lang="zh-CN" altLang="en-US" smtClean="0"/>
           </a:p>
           <a:p>
             <a:pPr lvl="1"/>
@@ -2461,7 +2454,6 @@
               <a:rPr lang="zh-CN" altLang="en-US" smtClean="0"/>
               <a:t>第二级</a:t>
             </a:r>
-            <a:endParaRPr lang="zh-CN" altLang="en-US" smtClean="0"/>
           </a:p>
           <a:p>
             <a:pPr lvl="2"/>
@@ -2469,7 +2461,6 @@
               <a:rPr lang="zh-CN" altLang="en-US" smtClean="0"/>
               <a:t>第三级</a:t>
             </a:r>
-            <a:endParaRPr lang="zh-CN" altLang="en-US" smtClean="0"/>
           </a:p>
           <a:p>
             <a:pPr lvl="3"/>
@@ -2477,7 +2468,6 @@
               <a:rPr lang="zh-CN" altLang="en-US" smtClean="0"/>
               <a:t>第四级</a:t>
             </a:r>
-            <a:endParaRPr lang="zh-CN" altLang="en-US" smtClean="0"/>
           </a:p>
           <a:p>
             <a:pPr lvl="4"/>
@@ -2524,6 +2514,7 @@
           <a:p>
             <a:fld id="{D997B5FA-0921-464F-AAE1-844C04324D75}" type="datetimeFigureOut">
               <a:rPr lang="zh-CN" altLang="en-US" smtClean="0"/>
+              <a:t>2018/7/8</a:t>
             </a:fld>
             <a:endParaRPr lang="zh-CN" altLang="en-US"/>
           </a:p>
@@ -2601,6 +2592,7 @@
           <a:p>
             <a:fld id="{565CE74E-AB26-4998-AD42-012C4C1AD076}" type="slidenum">
               <a:rPr lang="zh-CN" altLang="en-US" smtClean="0"/>
+              <a:t>‹#›</a:t>
             </a:fld>
             <a:endParaRPr lang="zh-CN" altLang="en-US"/>
           </a:p>
@@ -2914,7 +2906,14 @@
         <p:cNvGrpSpPr/>
         <p:nvPr/>
       </p:nvGrpSpPr>
-      <p:grpSpPr/>
+      <p:grpSpPr>
+        <a:xfrm>
+          <a:off x="0" y="0"/>
+          <a:ext cx="0" cy="0"/>
+          <a:chOff x="0" y="0"/>
+          <a:chExt cx="0" cy="0"/>
+        </a:xfrm>
+      </p:grpSpPr>
       <p:sp>
         <p:nvSpPr>
           <p:cNvPr id="4" name="矩形 3"/>
@@ -2954,6 +2953,7 @@
         </p:style>
         <p:txBody>
           <a:bodyPr rtlCol="0" anchor="ctr"/>
+          <a:lstStyle/>
           <a:p>
             <a:pPr algn="ctr"/>
             <a:endParaRPr lang="zh-CN" altLang="en-US"/>
@@ -2999,6 +2999,7 @@
         </p:style>
         <p:txBody>
           <a:bodyPr rtlCol="0" anchor="ctr"/>
+          <a:lstStyle/>
           <a:p>
             <a:pPr algn="ctr"/>
             <a:endParaRPr lang="zh-CN" altLang="en-US"/>
@@ -3014,7 +3015,7 @@
           <p:nvPr/>
         </p:nvPicPr>
         <p:blipFill>
-          <a:blip r:embed="rId1"/>
+          <a:blip r:embed="rId2"/>
           <a:stretch>
             <a:fillRect/>
           </a:stretch>
@@ -3049,13 +3050,13 @@
           <a:bodyPr wrap="square" rtlCol="0">
             <a:spAutoFit/>
           </a:bodyPr>
+          <a:lstStyle/>
           <a:p>
             <a:pPr algn="ctr"/>
             <a:r>
               <a:rPr lang="zh-CN" altLang="en-US" sz="7000"/>
               <a:t>结账</a:t>
             </a:r>
-            <a:endParaRPr lang="zh-CN" altLang="en-US" sz="7000"/>
           </a:p>
         </p:txBody>
       </p:sp>
@@ -3076,7 +3077,14 @@
         <p:cNvGrpSpPr/>
         <p:nvPr/>
       </p:nvGrpSpPr>
-      <p:grpSpPr/>
+      <p:grpSpPr>
+        <a:xfrm>
+          <a:off x="0" y="0"/>
+          <a:ext cx="0" cy="0"/>
+          <a:chOff x="0" y="0"/>
+          <a:chExt cx="0" cy="0"/>
+        </a:xfrm>
+      </p:grpSpPr>
       <p:sp>
         <p:nvSpPr>
           <p:cNvPr id="4" name="矩形 3"/>
@@ -3116,13 +3124,2245 @@
         </p:style>
         <p:txBody>
           <a:bodyPr rtlCol="0" anchor="ctr"/>
+          <a:lstStyle/>
           <a:p>
             <a:pPr algn="ctr"/>
             <a:endParaRPr lang="zh-CN" altLang="en-US"/>
           </a:p>
         </p:txBody>
       </p:sp>
+      <p:sp>
+        <p:nvSpPr>
+          <p:cNvPr id="2" name="TextBox 1"/>
+          <p:cNvSpPr txBox="1"/>
+          <p:nvPr/>
+        </p:nvSpPr>
+        <p:spPr>
+          <a:xfrm>
+            <a:off x="4871103" y="94004"/>
+            <a:ext cx="2768837" cy="707886"/>
+          </a:xfrm>
+          <a:prstGeom prst="rect">
+            <a:avLst/>
+          </a:prstGeom>
+          <a:noFill/>
+        </p:spPr>
+        <p:txBody>
+          <a:bodyPr wrap="square" rtlCol="0">
+            <a:spAutoFit/>
+          </a:bodyPr>
+          <a:lstStyle/>
+          <a:p>
+            <a:pPr algn="ctr"/>
+            <a:r>
+              <a:rPr lang="zh-CN" altLang="en-US" sz="4000" dirty="0"/>
+              <a:t>游</a:t>
+            </a:r>
+            <a:r>
+              <a:rPr lang="zh-CN" altLang="en-US" sz="4000" dirty="0" smtClean="0"/>
+              <a:t>戏概述</a:t>
+            </a:r>
+            <a:endParaRPr lang="zh-CN" altLang="en-US" sz="4000" dirty="0"/>
+          </a:p>
+        </p:txBody>
+      </p:sp>
+      <p:sp>
+        <p:nvSpPr>
+          <p:cNvPr id="5" name="TextBox 4"/>
+          <p:cNvSpPr txBox="1"/>
+          <p:nvPr/>
+        </p:nvSpPr>
+        <p:spPr>
+          <a:xfrm>
+            <a:off x="3758725" y="2240443"/>
+            <a:ext cx="7538814" cy="1200329"/>
+          </a:xfrm>
+          <a:prstGeom prst="rect">
+            <a:avLst/>
+          </a:prstGeom>
+          <a:noFill/>
+        </p:spPr>
+        <p:txBody>
+          <a:bodyPr wrap="square" rtlCol="0">
+            <a:spAutoFit/>
+          </a:bodyPr>
+          <a:lstStyle/>
+          <a:p>
+            <a:r>
+              <a:rPr lang="zh-CN" altLang="en-US" dirty="0"/>
+              <a:t>核</a:t>
+            </a:r>
+            <a:r>
+              <a:rPr lang="zh-CN" altLang="en-US" dirty="0" smtClean="0"/>
+              <a:t>心玩法：在不同的场景中，玩家通过各种手段用来逃过结账</a:t>
+            </a:r>
+            <a:endParaRPr lang="en-US" altLang="zh-CN" dirty="0" smtClean="0"/>
+          </a:p>
+          <a:p>
+            <a:r>
+              <a:rPr lang="zh-CN" altLang="en-US" dirty="0"/>
+              <a:t>游</a:t>
+            </a:r>
+            <a:r>
+              <a:rPr lang="zh-CN" altLang="en-US" dirty="0" smtClean="0"/>
+              <a:t>戏平台：</a:t>
+            </a:r>
+            <a:r>
+              <a:rPr lang="en-US" altLang="zh-CN" dirty="0" smtClean="0"/>
+              <a:t>PC</a:t>
+            </a:r>
+          </a:p>
+          <a:p>
+            <a:r>
+              <a:rPr lang="zh-CN" altLang="en-US" dirty="0"/>
+              <a:t>游</a:t>
+            </a:r>
+            <a:r>
+              <a:rPr lang="zh-CN" altLang="en-US" dirty="0" smtClean="0"/>
+              <a:t>戏特色：玩家和场景的交互性较高，解谜方式多样化</a:t>
+            </a:r>
+            <a:endParaRPr lang="en-US" altLang="zh-CN" dirty="0" smtClean="0"/>
+          </a:p>
+          <a:p>
+            <a:r>
+              <a:rPr lang="zh-CN" altLang="en-US" dirty="0"/>
+              <a:t>游</a:t>
+            </a:r>
+            <a:r>
+              <a:rPr lang="zh-CN" altLang="en-US" dirty="0" smtClean="0"/>
+              <a:t>戏风格：恶搞</a:t>
+            </a:r>
+            <a:r>
+              <a:rPr lang="en-US" altLang="zh-CN" dirty="0" smtClean="0"/>
+              <a:t>&amp;</a:t>
+            </a:r>
+            <a:r>
+              <a:rPr lang="zh-CN" altLang="en-US" dirty="0" smtClean="0"/>
+              <a:t>脑洞大</a:t>
+            </a:r>
+            <a:endParaRPr lang="en-US" altLang="zh-CN" dirty="0" smtClean="0"/>
+          </a:p>
+        </p:txBody>
+      </p:sp>
     </p:spTree>
+  </p:cSld>
+  <p:clrMapOvr>
+    <a:masterClrMapping/>
+  </p:clrMapOvr>
+</p:sld>
+</file>
+
+<file path=ppt/slides/slide3.xml><?xml version="1.0" encoding="utf-8"?>
+<p:sld xmlns:a="http://schemas.openxmlformats.org/drawingml/2006/main" xmlns:r="http://schemas.openxmlformats.org/officeDocument/2006/relationships" xmlns:p="http://schemas.openxmlformats.org/presentationml/2006/main">
+  <p:cSld>
+    <p:spTree>
+      <p:nvGrpSpPr>
+        <p:cNvPr id="1" name=""/>
+        <p:cNvGrpSpPr/>
+        <p:nvPr/>
+      </p:nvGrpSpPr>
+      <p:grpSpPr>
+        <a:xfrm>
+          <a:off x="0" y="0"/>
+          <a:ext cx="0" cy="0"/>
+          <a:chOff x="0" y="0"/>
+          <a:chExt cx="0" cy="0"/>
+        </a:xfrm>
+      </p:grpSpPr>
+      <p:sp>
+        <p:nvSpPr>
+          <p:cNvPr id="4" name="矩形 3"/>
+          <p:cNvSpPr/>
+          <p:nvPr/>
+        </p:nvSpPr>
+        <p:spPr>
+          <a:xfrm>
+            <a:off x="-10795" y="857885"/>
+            <a:ext cx="12214225" cy="224155"/>
+          </a:xfrm>
+          <a:prstGeom prst="rect">
+            <a:avLst/>
+          </a:prstGeom>
+          <a:solidFill>
+            <a:schemeClr val="accent2"/>
+          </a:solidFill>
+          <a:ln>
+            <a:noFill/>
+          </a:ln>
+        </p:spPr>
+        <p:style>
+          <a:lnRef idx="2">
+            <a:schemeClr val="accent1">
+              <a:shade val="50000"/>
+            </a:schemeClr>
+          </a:lnRef>
+          <a:fillRef idx="1">
+            <a:schemeClr val="accent1"/>
+          </a:fillRef>
+          <a:effectRef idx="0">
+            <a:schemeClr val="accent1"/>
+          </a:effectRef>
+          <a:fontRef idx="minor">
+            <a:schemeClr val="lt1"/>
+          </a:fontRef>
+        </p:style>
+        <p:txBody>
+          <a:bodyPr rtlCol="0" anchor="ctr"/>
+          <a:lstStyle/>
+          <a:p>
+            <a:pPr algn="ctr"/>
+            <a:endParaRPr lang="zh-CN" altLang="en-US"/>
+          </a:p>
+        </p:txBody>
+      </p:sp>
+      <p:sp>
+        <p:nvSpPr>
+          <p:cNvPr id="2" name="TextBox 1"/>
+          <p:cNvSpPr txBox="1"/>
+          <p:nvPr/>
+        </p:nvSpPr>
+        <p:spPr>
+          <a:xfrm>
+            <a:off x="4871103" y="94004"/>
+            <a:ext cx="2768837" cy="707886"/>
+          </a:xfrm>
+          <a:prstGeom prst="rect">
+            <a:avLst/>
+          </a:prstGeom>
+          <a:noFill/>
+        </p:spPr>
+        <p:txBody>
+          <a:bodyPr wrap="square" rtlCol="0">
+            <a:spAutoFit/>
+          </a:bodyPr>
+          <a:lstStyle/>
+          <a:p>
+            <a:pPr algn="ctr"/>
+            <a:r>
+              <a:rPr lang="zh-CN" altLang="en-US" sz="4000" dirty="0"/>
+              <a:t>游</a:t>
+            </a:r>
+            <a:r>
+              <a:rPr lang="zh-CN" altLang="en-US" sz="4000" dirty="0" smtClean="0"/>
+              <a:t>戏界面</a:t>
+            </a:r>
+            <a:endParaRPr lang="zh-CN" altLang="en-US" sz="4000" dirty="0"/>
+          </a:p>
+        </p:txBody>
+      </p:sp>
+      <p:sp>
+        <p:nvSpPr>
+          <p:cNvPr id="3" name="Rectangle 2"/>
+          <p:cNvSpPr/>
+          <p:nvPr/>
+        </p:nvSpPr>
+        <p:spPr>
+          <a:xfrm>
+            <a:off x="1461331" y="1504060"/>
+            <a:ext cx="9323462" cy="4999290"/>
+          </a:xfrm>
+          <a:prstGeom prst="rect">
+            <a:avLst/>
+          </a:prstGeom>
+          <a:solidFill>
+            <a:schemeClr val="bg1"/>
+          </a:solidFill>
+          <a:ln w="28575"/>
+        </p:spPr>
+        <p:style>
+          <a:lnRef idx="2">
+            <a:schemeClr val="accent1">
+              <a:shade val="50000"/>
+            </a:schemeClr>
+          </a:lnRef>
+          <a:fillRef idx="1">
+            <a:schemeClr val="accent1"/>
+          </a:fillRef>
+          <a:effectRef idx="0">
+            <a:schemeClr val="accent1"/>
+          </a:effectRef>
+          <a:fontRef idx="minor">
+            <a:schemeClr val="lt1"/>
+          </a:fontRef>
+        </p:style>
+        <p:txBody>
+          <a:bodyPr rtlCol="0" anchor="ctr"/>
+          <a:lstStyle/>
+          <a:p>
+            <a:pPr algn="ctr"/>
+            <a:endParaRPr lang="zh-CN" altLang="en-US"/>
+          </a:p>
+        </p:txBody>
+      </p:sp>
+      <p:sp>
+        <p:nvSpPr>
+          <p:cNvPr id="6" name="TextBox 5"/>
+          <p:cNvSpPr txBox="1"/>
+          <p:nvPr/>
+        </p:nvSpPr>
+        <p:spPr>
+          <a:xfrm>
+            <a:off x="9297824" y="1743341"/>
+            <a:ext cx="1170774" cy="369332"/>
+          </a:xfrm>
+          <a:prstGeom prst="rect">
+            <a:avLst/>
+          </a:prstGeom>
+          <a:noFill/>
+        </p:spPr>
+        <p:txBody>
+          <a:bodyPr wrap="square" rtlCol="0">
+            <a:spAutoFit/>
+          </a:bodyPr>
+          <a:lstStyle/>
+          <a:p>
+            <a:r>
+              <a:rPr lang="zh-CN" altLang="en-US" dirty="0" smtClean="0"/>
+              <a:t>￥：</a:t>
+            </a:r>
+            <a:r>
+              <a:rPr lang="en-US" altLang="zh-CN" dirty="0" smtClean="0"/>
+              <a:t>50</a:t>
+            </a:r>
+            <a:endParaRPr lang="zh-CN" altLang="en-US" dirty="0"/>
+          </a:p>
+        </p:txBody>
+      </p:sp>
+      <p:sp>
+        <p:nvSpPr>
+          <p:cNvPr id="7" name="Rectangle 6"/>
+          <p:cNvSpPr/>
+          <p:nvPr/>
+        </p:nvSpPr>
+        <p:spPr>
+          <a:xfrm>
+            <a:off x="2101158" y="5520583"/>
+            <a:ext cx="7990318" cy="786214"/>
+          </a:xfrm>
+          <a:prstGeom prst="rect">
+            <a:avLst/>
+          </a:prstGeom>
+        </p:spPr>
+        <p:style>
+          <a:lnRef idx="2">
+            <a:schemeClr val="accent1">
+              <a:shade val="50000"/>
+            </a:schemeClr>
+          </a:lnRef>
+          <a:fillRef idx="1">
+            <a:schemeClr val="accent1"/>
+          </a:fillRef>
+          <a:effectRef idx="0">
+            <a:schemeClr val="accent1"/>
+          </a:effectRef>
+          <a:fontRef idx="minor">
+            <a:schemeClr val="lt1"/>
+          </a:fontRef>
+        </p:style>
+        <p:txBody>
+          <a:bodyPr rtlCol="0" anchor="ctr"/>
+          <a:lstStyle/>
+          <a:p>
+            <a:pPr algn="ctr"/>
+            <a:endParaRPr lang="zh-CN" altLang="en-US"/>
+          </a:p>
+        </p:txBody>
+      </p:sp>
+      <p:sp>
+        <p:nvSpPr>
+          <p:cNvPr id="8" name="Rounded Rectangle 7"/>
+          <p:cNvSpPr/>
+          <p:nvPr/>
+        </p:nvSpPr>
+        <p:spPr>
+          <a:xfrm>
+            <a:off x="2324456" y="5623133"/>
+            <a:ext cx="760576" cy="598205"/>
+          </a:xfrm>
+          <a:prstGeom prst="roundRect">
+            <a:avLst/>
+          </a:prstGeom>
+          <a:solidFill>
+            <a:schemeClr val="bg2"/>
+          </a:solidFill>
+        </p:spPr>
+        <p:style>
+          <a:lnRef idx="2">
+            <a:schemeClr val="accent1">
+              <a:shade val="50000"/>
+            </a:schemeClr>
+          </a:lnRef>
+          <a:fillRef idx="1">
+            <a:schemeClr val="accent1"/>
+          </a:fillRef>
+          <a:effectRef idx="0">
+            <a:schemeClr val="accent1"/>
+          </a:effectRef>
+          <a:fontRef idx="minor">
+            <a:schemeClr val="lt1"/>
+          </a:fontRef>
+        </p:style>
+        <p:txBody>
+          <a:bodyPr rtlCol="0" anchor="ctr"/>
+          <a:lstStyle/>
+          <a:p>
+            <a:pPr algn="ctr"/>
+            <a:endParaRPr lang="zh-CN" altLang="en-US"/>
+          </a:p>
+        </p:txBody>
+      </p:sp>
+      <p:sp>
+        <p:nvSpPr>
+          <p:cNvPr id="9" name="Rounded Rectangle 8"/>
+          <p:cNvSpPr/>
+          <p:nvPr/>
+        </p:nvSpPr>
+        <p:spPr>
+          <a:xfrm>
+            <a:off x="3179036" y="5623133"/>
+            <a:ext cx="760576" cy="598205"/>
+          </a:xfrm>
+          <a:prstGeom prst="roundRect">
+            <a:avLst/>
+          </a:prstGeom>
+          <a:solidFill>
+            <a:schemeClr val="bg2"/>
+          </a:solidFill>
+        </p:spPr>
+        <p:style>
+          <a:lnRef idx="2">
+            <a:schemeClr val="accent1">
+              <a:shade val="50000"/>
+            </a:schemeClr>
+          </a:lnRef>
+          <a:fillRef idx="1">
+            <a:schemeClr val="accent1"/>
+          </a:fillRef>
+          <a:effectRef idx="0">
+            <a:schemeClr val="accent1"/>
+          </a:effectRef>
+          <a:fontRef idx="minor">
+            <a:schemeClr val="lt1"/>
+          </a:fontRef>
+        </p:style>
+        <p:txBody>
+          <a:bodyPr rtlCol="0" anchor="ctr"/>
+          <a:lstStyle/>
+          <a:p>
+            <a:pPr algn="ctr"/>
+            <a:endParaRPr lang="zh-CN" altLang="en-US"/>
+          </a:p>
+        </p:txBody>
+      </p:sp>
+      <p:sp>
+        <p:nvSpPr>
+          <p:cNvPr id="10" name="Rounded Rectangle 9"/>
+          <p:cNvSpPr/>
+          <p:nvPr/>
+        </p:nvSpPr>
+        <p:spPr>
+          <a:xfrm>
+            <a:off x="4033616" y="5623133"/>
+            <a:ext cx="760576" cy="598205"/>
+          </a:xfrm>
+          <a:prstGeom prst="roundRect">
+            <a:avLst/>
+          </a:prstGeom>
+          <a:solidFill>
+            <a:schemeClr val="bg2"/>
+          </a:solidFill>
+        </p:spPr>
+        <p:style>
+          <a:lnRef idx="2">
+            <a:schemeClr val="accent1">
+              <a:shade val="50000"/>
+            </a:schemeClr>
+          </a:lnRef>
+          <a:fillRef idx="1">
+            <a:schemeClr val="accent1"/>
+          </a:fillRef>
+          <a:effectRef idx="0">
+            <a:schemeClr val="accent1"/>
+          </a:effectRef>
+          <a:fontRef idx="minor">
+            <a:schemeClr val="lt1"/>
+          </a:fontRef>
+        </p:style>
+        <p:txBody>
+          <a:bodyPr rtlCol="0" anchor="ctr"/>
+          <a:lstStyle/>
+          <a:p>
+            <a:pPr algn="ctr"/>
+            <a:endParaRPr lang="zh-CN" altLang="en-US"/>
+          </a:p>
+        </p:txBody>
+      </p:sp>
+      <p:sp>
+        <p:nvSpPr>
+          <p:cNvPr id="11" name="Rounded Rectangle 10"/>
+          <p:cNvSpPr/>
+          <p:nvPr/>
+        </p:nvSpPr>
+        <p:spPr>
+          <a:xfrm>
+            <a:off x="4888196" y="5623133"/>
+            <a:ext cx="760576" cy="598205"/>
+          </a:xfrm>
+          <a:prstGeom prst="roundRect">
+            <a:avLst/>
+          </a:prstGeom>
+          <a:solidFill>
+            <a:schemeClr val="bg2"/>
+          </a:solidFill>
+        </p:spPr>
+        <p:style>
+          <a:lnRef idx="2">
+            <a:schemeClr val="accent1">
+              <a:shade val="50000"/>
+            </a:schemeClr>
+          </a:lnRef>
+          <a:fillRef idx="1">
+            <a:schemeClr val="accent1"/>
+          </a:fillRef>
+          <a:effectRef idx="0">
+            <a:schemeClr val="accent1"/>
+          </a:effectRef>
+          <a:fontRef idx="minor">
+            <a:schemeClr val="lt1"/>
+          </a:fontRef>
+        </p:style>
+        <p:txBody>
+          <a:bodyPr rtlCol="0" anchor="ctr"/>
+          <a:lstStyle/>
+          <a:p>
+            <a:pPr algn="ctr"/>
+            <a:endParaRPr lang="zh-CN" altLang="en-US"/>
+          </a:p>
+        </p:txBody>
+      </p:sp>
+      <p:sp>
+        <p:nvSpPr>
+          <p:cNvPr id="12" name="Rounded Rectangle 11"/>
+          <p:cNvSpPr/>
+          <p:nvPr/>
+        </p:nvSpPr>
+        <p:spPr>
+          <a:xfrm>
+            <a:off x="5742776" y="5623133"/>
+            <a:ext cx="760576" cy="598205"/>
+          </a:xfrm>
+          <a:prstGeom prst="roundRect">
+            <a:avLst/>
+          </a:prstGeom>
+          <a:solidFill>
+            <a:schemeClr val="bg2"/>
+          </a:solidFill>
+        </p:spPr>
+        <p:style>
+          <a:lnRef idx="2">
+            <a:schemeClr val="accent1">
+              <a:shade val="50000"/>
+            </a:schemeClr>
+          </a:lnRef>
+          <a:fillRef idx="1">
+            <a:schemeClr val="accent1"/>
+          </a:fillRef>
+          <a:effectRef idx="0">
+            <a:schemeClr val="accent1"/>
+          </a:effectRef>
+          <a:fontRef idx="minor">
+            <a:schemeClr val="lt1"/>
+          </a:fontRef>
+        </p:style>
+        <p:txBody>
+          <a:bodyPr rtlCol="0" anchor="ctr"/>
+          <a:lstStyle/>
+          <a:p>
+            <a:pPr algn="ctr"/>
+            <a:endParaRPr lang="zh-CN" altLang="en-US"/>
+          </a:p>
+        </p:txBody>
+      </p:sp>
+      <p:sp>
+        <p:nvSpPr>
+          <p:cNvPr id="13" name="Rounded Rectangle 12"/>
+          <p:cNvSpPr/>
+          <p:nvPr/>
+        </p:nvSpPr>
+        <p:spPr>
+          <a:xfrm>
+            <a:off x="6597356" y="5623133"/>
+            <a:ext cx="760576" cy="598205"/>
+          </a:xfrm>
+          <a:prstGeom prst="roundRect">
+            <a:avLst/>
+          </a:prstGeom>
+          <a:solidFill>
+            <a:schemeClr val="bg2"/>
+          </a:solidFill>
+        </p:spPr>
+        <p:style>
+          <a:lnRef idx="2">
+            <a:schemeClr val="accent1">
+              <a:shade val="50000"/>
+            </a:schemeClr>
+          </a:lnRef>
+          <a:fillRef idx="1">
+            <a:schemeClr val="accent1"/>
+          </a:fillRef>
+          <a:effectRef idx="0">
+            <a:schemeClr val="accent1"/>
+          </a:effectRef>
+          <a:fontRef idx="minor">
+            <a:schemeClr val="lt1"/>
+          </a:fontRef>
+        </p:style>
+        <p:txBody>
+          <a:bodyPr rtlCol="0" anchor="ctr"/>
+          <a:lstStyle/>
+          <a:p>
+            <a:pPr algn="ctr"/>
+            <a:endParaRPr lang="zh-CN" altLang="en-US"/>
+          </a:p>
+        </p:txBody>
+      </p:sp>
+      <p:sp>
+        <p:nvSpPr>
+          <p:cNvPr id="14" name="Rounded Rectangle 13"/>
+          <p:cNvSpPr/>
+          <p:nvPr/>
+        </p:nvSpPr>
+        <p:spPr>
+          <a:xfrm>
+            <a:off x="9220915" y="5623133"/>
+            <a:ext cx="760576" cy="598205"/>
+          </a:xfrm>
+          <a:prstGeom prst="roundRect">
+            <a:avLst/>
+          </a:prstGeom>
+          <a:solidFill>
+            <a:schemeClr val="bg2"/>
+          </a:solidFill>
+        </p:spPr>
+        <p:style>
+          <a:lnRef idx="2">
+            <a:schemeClr val="accent1">
+              <a:shade val="50000"/>
+            </a:schemeClr>
+          </a:lnRef>
+          <a:fillRef idx="1">
+            <a:schemeClr val="accent1"/>
+          </a:fillRef>
+          <a:effectRef idx="0">
+            <a:schemeClr val="accent1"/>
+          </a:effectRef>
+          <a:fontRef idx="minor">
+            <a:schemeClr val="lt1"/>
+          </a:fontRef>
+        </p:style>
+        <p:txBody>
+          <a:bodyPr rtlCol="0" anchor="ctr"/>
+          <a:lstStyle/>
+          <a:p>
+            <a:pPr algn="ctr"/>
+            <a:endParaRPr lang="zh-CN" altLang="en-US"/>
+          </a:p>
+        </p:txBody>
+      </p:sp>
+      <p:sp>
+        <p:nvSpPr>
+          <p:cNvPr id="15" name="Rounded Rectangle 14"/>
+          <p:cNvSpPr/>
+          <p:nvPr/>
+        </p:nvSpPr>
+        <p:spPr>
+          <a:xfrm>
+            <a:off x="8366335" y="5623133"/>
+            <a:ext cx="760576" cy="598205"/>
+          </a:xfrm>
+          <a:prstGeom prst="roundRect">
+            <a:avLst/>
+          </a:prstGeom>
+          <a:solidFill>
+            <a:schemeClr val="bg2"/>
+          </a:solidFill>
+        </p:spPr>
+        <p:style>
+          <a:lnRef idx="2">
+            <a:schemeClr val="accent1">
+              <a:shade val="50000"/>
+            </a:schemeClr>
+          </a:lnRef>
+          <a:fillRef idx="1">
+            <a:schemeClr val="accent1"/>
+          </a:fillRef>
+          <a:effectRef idx="0">
+            <a:schemeClr val="accent1"/>
+          </a:effectRef>
+          <a:fontRef idx="minor">
+            <a:schemeClr val="lt1"/>
+          </a:fontRef>
+        </p:style>
+        <p:txBody>
+          <a:bodyPr rtlCol="0" anchor="ctr"/>
+          <a:lstStyle/>
+          <a:p>
+            <a:pPr algn="ctr"/>
+            <a:endParaRPr lang="zh-CN" altLang="en-US"/>
+          </a:p>
+        </p:txBody>
+      </p:sp>
+      <p:grpSp>
+        <p:nvGrpSpPr>
+          <p:cNvPr id="18" name="Group 17"/>
+          <p:cNvGrpSpPr/>
+          <p:nvPr/>
+        </p:nvGrpSpPr>
+        <p:grpSpPr>
+          <a:xfrm>
+            <a:off x="5648772" y="3432133"/>
+            <a:ext cx="410198" cy="871671"/>
+            <a:chOff x="3461047" y="3033757"/>
+            <a:chExt cx="410198" cy="871671"/>
+          </a:xfrm>
+          <a:solidFill>
+            <a:schemeClr val="accent2"/>
+          </a:solidFill>
+        </p:grpSpPr>
+        <p:sp>
+          <p:nvSpPr>
+            <p:cNvPr id="16" name="Oval 15"/>
+            <p:cNvSpPr/>
+            <p:nvPr/>
+          </p:nvSpPr>
+          <p:spPr>
+            <a:xfrm>
+              <a:off x="3461047" y="3033757"/>
+              <a:ext cx="410198" cy="410198"/>
+            </a:xfrm>
+            <a:prstGeom prst="ellipse">
+              <a:avLst/>
+            </a:prstGeom>
+            <a:grpFill/>
+          </p:spPr>
+          <p:style>
+            <a:lnRef idx="2">
+              <a:schemeClr val="accent1">
+                <a:shade val="50000"/>
+              </a:schemeClr>
+            </a:lnRef>
+            <a:fillRef idx="1">
+              <a:schemeClr val="accent1"/>
+            </a:fillRef>
+            <a:effectRef idx="0">
+              <a:schemeClr val="accent1"/>
+            </a:effectRef>
+            <a:fontRef idx="minor">
+              <a:schemeClr val="lt1"/>
+            </a:fontRef>
+          </p:style>
+          <p:txBody>
+            <a:bodyPr rtlCol="0" anchor="ctr"/>
+            <a:lstStyle/>
+            <a:p>
+              <a:pPr algn="ctr"/>
+              <a:endParaRPr lang="zh-CN" altLang="en-US"/>
+            </a:p>
+          </p:txBody>
+        </p:sp>
+        <p:sp>
+          <p:nvSpPr>
+            <p:cNvPr id="17" name="Isosceles Triangle 16"/>
+            <p:cNvSpPr/>
+            <p:nvPr/>
+          </p:nvSpPr>
+          <p:spPr>
+            <a:xfrm rot="10800000">
+              <a:off x="3478138" y="3443955"/>
+              <a:ext cx="393107" cy="461473"/>
+            </a:xfrm>
+            <a:prstGeom prst="triangle">
+              <a:avLst/>
+            </a:prstGeom>
+            <a:grpFill/>
+          </p:spPr>
+          <p:style>
+            <a:lnRef idx="2">
+              <a:schemeClr val="accent1">
+                <a:shade val="50000"/>
+              </a:schemeClr>
+            </a:lnRef>
+            <a:fillRef idx="1">
+              <a:schemeClr val="accent1"/>
+            </a:fillRef>
+            <a:effectRef idx="0">
+              <a:schemeClr val="accent1"/>
+            </a:effectRef>
+            <a:fontRef idx="minor">
+              <a:schemeClr val="lt1"/>
+            </a:fontRef>
+          </p:style>
+          <p:txBody>
+            <a:bodyPr rtlCol="0" anchor="ctr"/>
+            <a:lstStyle/>
+            <a:p>
+              <a:pPr algn="ctr"/>
+              <a:endParaRPr lang="zh-CN" altLang="en-US"/>
+            </a:p>
+          </p:txBody>
+        </p:sp>
+      </p:grpSp>
+      <p:sp>
+        <p:nvSpPr>
+          <p:cNvPr id="22" name="Heart 21"/>
+          <p:cNvSpPr/>
+          <p:nvPr/>
+        </p:nvSpPr>
+        <p:spPr>
+          <a:xfrm>
+            <a:off x="1908877" y="1743341"/>
+            <a:ext cx="384561" cy="369332"/>
+          </a:xfrm>
+          <a:prstGeom prst="heart">
+            <a:avLst/>
+          </a:prstGeom>
+          <a:solidFill>
+            <a:srgbClr val="C00000"/>
+          </a:solidFill>
+          <a:ln>
+            <a:solidFill>
+              <a:schemeClr val="bg1"/>
+            </a:solidFill>
+          </a:ln>
+        </p:spPr>
+        <p:style>
+          <a:lnRef idx="2">
+            <a:schemeClr val="accent1">
+              <a:shade val="50000"/>
+            </a:schemeClr>
+          </a:lnRef>
+          <a:fillRef idx="1">
+            <a:schemeClr val="accent1"/>
+          </a:fillRef>
+          <a:effectRef idx="0">
+            <a:schemeClr val="accent1"/>
+          </a:effectRef>
+          <a:fontRef idx="minor">
+            <a:schemeClr val="lt1"/>
+          </a:fontRef>
+        </p:style>
+        <p:txBody>
+          <a:bodyPr rtlCol="0" anchor="ctr"/>
+          <a:lstStyle/>
+          <a:p>
+            <a:pPr algn="ctr"/>
+            <a:endParaRPr lang="zh-CN" altLang="en-US"/>
+          </a:p>
+        </p:txBody>
+      </p:sp>
+      <p:sp>
+        <p:nvSpPr>
+          <p:cNvPr id="23" name="Heart 22"/>
+          <p:cNvSpPr/>
+          <p:nvPr/>
+        </p:nvSpPr>
+        <p:spPr>
+          <a:xfrm>
+            <a:off x="2356423" y="1743341"/>
+            <a:ext cx="384561" cy="369332"/>
+          </a:xfrm>
+          <a:prstGeom prst="heart">
+            <a:avLst/>
+          </a:prstGeom>
+          <a:solidFill>
+            <a:srgbClr val="C00000"/>
+          </a:solidFill>
+          <a:ln>
+            <a:solidFill>
+              <a:schemeClr val="bg1"/>
+            </a:solidFill>
+          </a:ln>
+        </p:spPr>
+        <p:style>
+          <a:lnRef idx="2">
+            <a:schemeClr val="accent1">
+              <a:shade val="50000"/>
+            </a:schemeClr>
+          </a:lnRef>
+          <a:fillRef idx="1">
+            <a:schemeClr val="accent1"/>
+          </a:fillRef>
+          <a:effectRef idx="0">
+            <a:schemeClr val="accent1"/>
+          </a:effectRef>
+          <a:fontRef idx="minor">
+            <a:schemeClr val="lt1"/>
+          </a:fontRef>
+        </p:style>
+        <p:txBody>
+          <a:bodyPr rtlCol="0" anchor="ctr"/>
+          <a:lstStyle/>
+          <a:p>
+            <a:pPr algn="ctr"/>
+            <a:endParaRPr lang="zh-CN" altLang="en-US"/>
+          </a:p>
+        </p:txBody>
+      </p:sp>
+      <p:sp>
+        <p:nvSpPr>
+          <p:cNvPr id="24" name="Heart 23"/>
+          <p:cNvSpPr/>
+          <p:nvPr/>
+        </p:nvSpPr>
+        <p:spPr>
+          <a:xfrm>
+            <a:off x="2803969" y="1743341"/>
+            <a:ext cx="384561" cy="369332"/>
+          </a:xfrm>
+          <a:prstGeom prst="heart">
+            <a:avLst/>
+          </a:prstGeom>
+          <a:solidFill>
+            <a:srgbClr val="C00000"/>
+          </a:solidFill>
+          <a:ln>
+            <a:solidFill>
+              <a:schemeClr val="bg1"/>
+            </a:solidFill>
+          </a:ln>
+        </p:spPr>
+        <p:style>
+          <a:lnRef idx="2">
+            <a:schemeClr val="accent1">
+              <a:shade val="50000"/>
+            </a:schemeClr>
+          </a:lnRef>
+          <a:fillRef idx="1">
+            <a:schemeClr val="accent1"/>
+          </a:fillRef>
+          <a:effectRef idx="0">
+            <a:schemeClr val="accent1"/>
+          </a:effectRef>
+          <a:fontRef idx="minor">
+            <a:schemeClr val="lt1"/>
+          </a:fontRef>
+        </p:style>
+        <p:txBody>
+          <a:bodyPr rtlCol="0" anchor="ctr"/>
+          <a:lstStyle/>
+          <a:p>
+            <a:pPr algn="ctr"/>
+            <a:endParaRPr lang="zh-CN" altLang="en-US"/>
+          </a:p>
+        </p:txBody>
+      </p:sp>
+    </p:spTree>
+    <p:extLst>
+      <p:ext uri="{BB962C8B-B14F-4D97-AF65-F5344CB8AC3E}">
+        <p14:creationId xmlns:p14="http://schemas.microsoft.com/office/powerpoint/2010/main" val="1687207327"/>
+      </p:ext>
+    </p:extLst>
+  </p:cSld>
+  <p:clrMapOvr>
+    <a:masterClrMapping/>
+  </p:clrMapOvr>
+</p:sld>
+</file>
+
+<file path=ppt/slides/slide4.xml><?xml version="1.0" encoding="utf-8"?>
+<p:sld xmlns:a="http://schemas.openxmlformats.org/drawingml/2006/main" xmlns:r="http://schemas.openxmlformats.org/officeDocument/2006/relationships" xmlns:p="http://schemas.openxmlformats.org/presentationml/2006/main">
+  <p:cSld>
+    <p:spTree>
+      <p:nvGrpSpPr>
+        <p:cNvPr id="1" name=""/>
+        <p:cNvGrpSpPr/>
+        <p:nvPr/>
+      </p:nvGrpSpPr>
+      <p:grpSpPr>
+        <a:xfrm>
+          <a:off x="0" y="0"/>
+          <a:ext cx="0" cy="0"/>
+          <a:chOff x="0" y="0"/>
+          <a:chExt cx="0" cy="0"/>
+        </a:xfrm>
+      </p:grpSpPr>
+      <p:sp>
+        <p:nvSpPr>
+          <p:cNvPr id="4" name="矩形 3"/>
+          <p:cNvSpPr/>
+          <p:nvPr/>
+        </p:nvSpPr>
+        <p:spPr>
+          <a:xfrm>
+            <a:off x="-10795" y="857885"/>
+            <a:ext cx="12214225" cy="224155"/>
+          </a:xfrm>
+          <a:prstGeom prst="rect">
+            <a:avLst/>
+          </a:prstGeom>
+          <a:solidFill>
+            <a:schemeClr val="accent2"/>
+          </a:solidFill>
+          <a:ln>
+            <a:noFill/>
+          </a:ln>
+        </p:spPr>
+        <p:style>
+          <a:lnRef idx="2">
+            <a:schemeClr val="accent1">
+              <a:shade val="50000"/>
+            </a:schemeClr>
+          </a:lnRef>
+          <a:fillRef idx="1">
+            <a:schemeClr val="accent1"/>
+          </a:fillRef>
+          <a:effectRef idx="0">
+            <a:schemeClr val="accent1"/>
+          </a:effectRef>
+          <a:fontRef idx="minor">
+            <a:schemeClr val="lt1"/>
+          </a:fontRef>
+        </p:style>
+        <p:txBody>
+          <a:bodyPr rtlCol="0" anchor="ctr"/>
+          <a:lstStyle/>
+          <a:p>
+            <a:pPr algn="ctr"/>
+            <a:endParaRPr lang="zh-CN" altLang="en-US"/>
+          </a:p>
+        </p:txBody>
+      </p:sp>
+      <p:sp>
+        <p:nvSpPr>
+          <p:cNvPr id="2" name="TextBox 1"/>
+          <p:cNvSpPr txBox="1"/>
+          <p:nvPr/>
+        </p:nvSpPr>
+        <p:spPr>
+          <a:xfrm>
+            <a:off x="4122238" y="118488"/>
+            <a:ext cx="3948157" cy="707886"/>
+          </a:xfrm>
+          <a:prstGeom prst="rect">
+            <a:avLst/>
+          </a:prstGeom>
+          <a:noFill/>
+        </p:spPr>
+        <p:txBody>
+          <a:bodyPr wrap="square" rtlCol="0">
+            <a:spAutoFit/>
+          </a:bodyPr>
+          <a:lstStyle/>
+          <a:p>
+            <a:pPr algn="ctr"/>
+            <a:r>
+              <a:rPr lang="zh-CN" altLang="en-US" sz="4000" dirty="0"/>
+              <a:t>游</a:t>
+            </a:r>
+            <a:r>
+              <a:rPr lang="zh-CN" altLang="en-US" sz="4000" dirty="0" smtClean="0"/>
+              <a:t>戏界面</a:t>
+            </a:r>
+            <a:r>
+              <a:rPr lang="en-US" altLang="zh-CN" sz="4000" dirty="0" smtClean="0"/>
+              <a:t>-</a:t>
+            </a:r>
+            <a:r>
+              <a:rPr lang="zh-CN" altLang="en-US" sz="4000" dirty="0" smtClean="0"/>
+              <a:t>对话</a:t>
+            </a:r>
+            <a:endParaRPr lang="zh-CN" altLang="en-US" sz="4000" dirty="0"/>
+          </a:p>
+        </p:txBody>
+      </p:sp>
+      <p:sp>
+        <p:nvSpPr>
+          <p:cNvPr id="3" name="Rectangle 2"/>
+          <p:cNvSpPr/>
+          <p:nvPr/>
+        </p:nvSpPr>
+        <p:spPr>
+          <a:xfrm>
+            <a:off x="1461331" y="1504060"/>
+            <a:ext cx="9323462" cy="4999290"/>
+          </a:xfrm>
+          <a:prstGeom prst="rect">
+            <a:avLst/>
+          </a:prstGeom>
+          <a:solidFill>
+            <a:schemeClr val="bg1"/>
+          </a:solidFill>
+          <a:ln w="28575"/>
+        </p:spPr>
+        <p:style>
+          <a:lnRef idx="2">
+            <a:schemeClr val="accent1">
+              <a:shade val="50000"/>
+            </a:schemeClr>
+          </a:lnRef>
+          <a:fillRef idx="1">
+            <a:schemeClr val="accent1"/>
+          </a:fillRef>
+          <a:effectRef idx="0">
+            <a:schemeClr val="accent1"/>
+          </a:effectRef>
+          <a:fontRef idx="minor">
+            <a:schemeClr val="lt1"/>
+          </a:fontRef>
+        </p:style>
+        <p:txBody>
+          <a:bodyPr rtlCol="0" anchor="ctr"/>
+          <a:lstStyle/>
+          <a:p>
+            <a:pPr algn="ctr"/>
+            <a:endParaRPr lang="zh-CN" altLang="en-US"/>
+          </a:p>
+        </p:txBody>
+      </p:sp>
+      <p:sp>
+        <p:nvSpPr>
+          <p:cNvPr id="6" name="TextBox 5"/>
+          <p:cNvSpPr txBox="1"/>
+          <p:nvPr/>
+        </p:nvSpPr>
+        <p:spPr>
+          <a:xfrm>
+            <a:off x="9297824" y="1743341"/>
+            <a:ext cx="1170774" cy="369332"/>
+          </a:xfrm>
+          <a:prstGeom prst="rect">
+            <a:avLst/>
+          </a:prstGeom>
+          <a:noFill/>
+        </p:spPr>
+        <p:txBody>
+          <a:bodyPr wrap="square" rtlCol="0">
+            <a:spAutoFit/>
+          </a:bodyPr>
+          <a:lstStyle/>
+          <a:p>
+            <a:r>
+              <a:rPr lang="zh-CN" altLang="en-US" dirty="0" smtClean="0"/>
+              <a:t>￥：</a:t>
+            </a:r>
+            <a:r>
+              <a:rPr lang="en-US" altLang="zh-CN" dirty="0" smtClean="0"/>
+              <a:t>50</a:t>
+            </a:r>
+            <a:endParaRPr lang="zh-CN" altLang="en-US" dirty="0"/>
+          </a:p>
+        </p:txBody>
+      </p:sp>
+      <p:sp>
+        <p:nvSpPr>
+          <p:cNvPr id="7" name="Rectangle 6"/>
+          <p:cNvSpPr/>
+          <p:nvPr/>
+        </p:nvSpPr>
+        <p:spPr>
+          <a:xfrm>
+            <a:off x="2101158" y="5084748"/>
+            <a:ext cx="7990318" cy="1222049"/>
+          </a:xfrm>
+          <a:prstGeom prst="rect">
+            <a:avLst/>
+          </a:prstGeom>
+        </p:spPr>
+        <p:style>
+          <a:lnRef idx="2">
+            <a:schemeClr val="accent1">
+              <a:shade val="50000"/>
+            </a:schemeClr>
+          </a:lnRef>
+          <a:fillRef idx="1">
+            <a:schemeClr val="accent1"/>
+          </a:fillRef>
+          <a:effectRef idx="0">
+            <a:schemeClr val="accent1"/>
+          </a:effectRef>
+          <a:fontRef idx="minor">
+            <a:schemeClr val="lt1"/>
+          </a:fontRef>
+        </p:style>
+        <p:txBody>
+          <a:bodyPr rtlCol="0" anchor="ctr"/>
+          <a:lstStyle/>
+          <a:p>
+            <a:pPr algn="ctr"/>
+            <a:endParaRPr lang="zh-CN" altLang="en-US"/>
+          </a:p>
+        </p:txBody>
+      </p:sp>
+      <p:grpSp>
+        <p:nvGrpSpPr>
+          <p:cNvPr id="18" name="Group 17"/>
+          <p:cNvGrpSpPr/>
+          <p:nvPr/>
+        </p:nvGrpSpPr>
+        <p:grpSpPr>
+          <a:xfrm>
+            <a:off x="6742633" y="3535391"/>
+            <a:ext cx="410198" cy="871671"/>
+            <a:chOff x="3461047" y="3033757"/>
+            <a:chExt cx="410198" cy="871671"/>
+          </a:xfrm>
+          <a:solidFill>
+            <a:schemeClr val="accent2"/>
+          </a:solidFill>
+        </p:grpSpPr>
+        <p:sp>
+          <p:nvSpPr>
+            <p:cNvPr id="16" name="Oval 15"/>
+            <p:cNvSpPr/>
+            <p:nvPr/>
+          </p:nvSpPr>
+          <p:spPr>
+            <a:xfrm>
+              <a:off x="3461047" y="3033757"/>
+              <a:ext cx="410198" cy="410198"/>
+            </a:xfrm>
+            <a:prstGeom prst="ellipse">
+              <a:avLst/>
+            </a:prstGeom>
+            <a:grpFill/>
+          </p:spPr>
+          <p:style>
+            <a:lnRef idx="2">
+              <a:schemeClr val="accent1">
+                <a:shade val="50000"/>
+              </a:schemeClr>
+            </a:lnRef>
+            <a:fillRef idx="1">
+              <a:schemeClr val="accent1"/>
+            </a:fillRef>
+            <a:effectRef idx="0">
+              <a:schemeClr val="accent1"/>
+            </a:effectRef>
+            <a:fontRef idx="minor">
+              <a:schemeClr val="lt1"/>
+            </a:fontRef>
+          </p:style>
+          <p:txBody>
+            <a:bodyPr rtlCol="0" anchor="ctr"/>
+            <a:lstStyle/>
+            <a:p>
+              <a:pPr algn="ctr"/>
+              <a:endParaRPr lang="zh-CN" altLang="en-US"/>
+            </a:p>
+          </p:txBody>
+        </p:sp>
+        <p:sp>
+          <p:nvSpPr>
+            <p:cNvPr id="17" name="Isosceles Triangle 16"/>
+            <p:cNvSpPr/>
+            <p:nvPr/>
+          </p:nvSpPr>
+          <p:spPr>
+            <a:xfrm rot="10800000">
+              <a:off x="3478138" y="3443955"/>
+              <a:ext cx="393107" cy="461473"/>
+            </a:xfrm>
+            <a:prstGeom prst="triangle">
+              <a:avLst/>
+            </a:prstGeom>
+            <a:grpFill/>
+          </p:spPr>
+          <p:style>
+            <a:lnRef idx="2">
+              <a:schemeClr val="accent1">
+                <a:shade val="50000"/>
+              </a:schemeClr>
+            </a:lnRef>
+            <a:fillRef idx="1">
+              <a:schemeClr val="accent1"/>
+            </a:fillRef>
+            <a:effectRef idx="0">
+              <a:schemeClr val="accent1"/>
+            </a:effectRef>
+            <a:fontRef idx="minor">
+              <a:schemeClr val="lt1"/>
+            </a:fontRef>
+          </p:style>
+          <p:txBody>
+            <a:bodyPr rtlCol="0" anchor="ctr"/>
+            <a:lstStyle/>
+            <a:p>
+              <a:pPr algn="ctr"/>
+              <a:endParaRPr lang="zh-CN" altLang="en-US"/>
+            </a:p>
+          </p:txBody>
+        </p:sp>
+      </p:grpSp>
+      <p:grpSp>
+        <p:nvGrpSpPr>
+          <p:cNvPr id="19" name="Group 18"/>
+          <p:cNvGrpSpPr/>
+          <p:nvPr/>
+        </p:nvGrpSpPr>
+        <p:grpSpPr>
+          <a:xfrm>
+            <a:off x="7503208" y="3535391"/>
+            <a:ext cx="410198" cy="871671"/>
+            <a:chOff x="3461047" y="3033757"/>
+            <a:chExt cx="410198" cy="871671"/>
+          </a:xfrm>
+        </p:grpSpPr>
+        <p:sp>
+          <p:nvSpPr>
+            <p:cNvPr id="20" name="Oval 19"/>
+            <p:cNvSpPr/>
+            <p:nvPr/>
+          </p:nvSpPr>
+          <p:spPr>
+            <a:xfrm>
+              <a:off x="3461047" y="3033757"/>
+              <a:ext cx="410198" cy="410198"/>
+            </a:xfrm>
+            <a:prstGeom prst="ellipse">
+              <a:avLst/>
+            </a:prstGeom>
+          </p:spPr>
+          <p:style>
+            <a:lnRef idx="2">
+              <a:schemeClr val="accent1">
+                <a:shade val="50000"/>
+              </a:schemeClr>
+            </a:lnRef>
+            <a:fillRef idx="1">
+              <a:schemeClr val="accent1"/>
+            </a:fillRef>
+            <a:effectRef idx="0">
+              <a:schemeClr val="accent1"/>
+            </a:effectRef>
+            <a:fontRef idx="minor">
+              <a:schemeClr val="lt1"/>
+            </a:fontRef>
+          </p:style>
+          <p:txBody>
+            <a:bodyPr rtlCol="0" anchor="ctr"/>
+            <a:lstStyle/>
+            <a:p>
+              <a:pPr algn="ctr"/>
+              <a:endParaRPr lang="zh-CN" altLang="en-US"/>
+            </a:p>
+          </p:txBody>
+        </p:sp>
+        <p:sp>
+          <p:nvSpPr>
+            <p:cNvPr id="21" name="Isosceles Triangle 20"/>
+            <p:cNvSpPr/>
+            <p:nvPr/>
+          </p:nvSpPr>
+          <p:spPr>
+            <a:xfrm rot="10800000">
+              <a:off x="3478138" y="3443955"/>
+              <a:ext cx="393107" cy="461473"/>
+            </a:xfrm>
+            <a:prstGeom prst="triangle">
+              <a:avLst/>
+            </a:prstGeom>
+          </p:spPr>
+          <p:style>
+            <a:lnRef idx="2">
+              <a:schemeClr val="accent1">
+                <a:shade val="50000"/>
+              </a:schemeClr>
+            </a:lnRef>
+            <a:fillRef idx="1">
+              <a:schemeClr val="accent1"/>
+            </a:fillRef>
+            <a:effectRef idx="0">
+              <a:schemeClr val="accent1"/>
+            </a:effectRef>
+            <a:fontRef idx="minor">
+              <a:schemeClr val="lt1"/>
+            </a:fontRef>
+          </p:style>
+          <p:txBody>
+            <a:bodyPr rtlCol="0" anchor="ctr"/>
+            <a:lstStyle/>
+            <a:p>
+              <a:pPr algn="ctr"/>
+              <a:endParaRPr lang="zh-CN" altLang="en-US"/>
+            </a:p>
+          </p:txBody>
+        </p:sp>
+      </p:grpSp>
+      <p:grpSp>
+        <p:nvGrpSpPr>
+          <p:cNvPr id="22" name="Group 21"/>
+          <p:cNvGrpSpPr/>
+          <p:nvPr/>
+        </p:nvGrpSpPr>
+        <p:grpSpPr>
+          <a:xfrm>
+            <a:off x="2408493" y="5259936"/>
+            <a:ext cx="410198" cy="871671"/>
+            <a:chOff x="3461047" y="3033757"/>
+            <a:chExt cx="410198" cy="871671"/>
+          </a:xfrm>
+          <a:solidFill>
+            <a:schemeClr val="accent2"/>
+          </a:solidFill>
+        </p:grpSpPr>
+        <p:sp>
+          <p:nvSpPr>
+            <p:cNvPr id="23" name="Oval 22"/>
+            <p:cNvSpPr/>
+            <p:nvPr/>
+          </p:nvSpPr>
+          <p:spPr>
+            <a:xfrm>
+              <a:off x="3461047" y="3033757"/>
+              <a:ext cx="410198" cy="410198"/>
+            </a:xfrm>
+            <a:prstGeom prst="ellipse">
+              <a:avLst/>
+            </a:prstGeom>
+            <a:grpFill/>
+          </p:spPr>
+          <p:style>
+            <a:lnRef idx="2">
+              <a:schemeClr val="accent1">
+                <a:shade val="50000"/>
+              </a:schemeClr>
+            </a:lnRef>
+            <a:fillRef idx="1">
+              <a:schemeClr val="accent1"/>
+            </a:fillRef>
+            <a:effectRef idx="0">
+              <a:schemeClr val="accent1"/>
+            </a:effectRef>
+            <a:fontRef idx="minor">
+              <a:schemeClr val="lt1"/>
+            </a:fontRef>
+          </p:style>
+          <p:txBody>
+            <a:bodyPr rtlCol="0" anchor="ctr"/>
+            <a:lstStyle/>
+            <a:p>
+              <a:pPr algn="ctr"/>
+              <a:endParaRPr lang="zh-CN" altLang="en-US"/>
+            </a:p>
+          </p:txBody>
+        </p:sp>
+        <p:sp>
+          <p:nvSpPr>
+            <p:cNvPr id="24" name="Isosceles Triangle 23"/>
+            <p:cNvSpPr/>
+            <p:nvPr/>
+          </p:nvSpPr>
+          <p:spPr>
+            <a:xfrm rot="10800000">
+              <a:off x="3478138" y="3443955"/>
+              <a:ext cx="393107" cy="461473"/>
+            </a:xfrm>
+            <a:prstGeom prst="triangle">
+              <a:avLst/>
+            </a:prstGeom>
+            <a:grpFill/>
+          </p:spPr>
+          <p:style>
+            <a:lnRef idx="2">
+              <a:schemeClr val="accent1">
+                <a:shade val="50000"/>
+              </a:schemeClr>
+            </a:lnRef>
+            <a:fillRef idx="1">
+              <a:schemeClr val="accent1"/>
+            </a:fillRef>
+            <a:effectRef idx="0">
+              <a:schemeClr val="accent1"/>
+            </a:effectRef>
+            <a:fontRef idx="minor">
+              <a:schemeClr val="lt1"/>
+            </a:fontRef>
+          </p:style>
+          <p:txBody>
+            <a:bodyPr rtlCol="0" anchor="ctr"/>
+            <a:lstStyle/>
+            <a:p>
+              <a:pPr algn="ctr"/>
+              <a:endParaRPr lang="zh-CN" altLang="en-US"/>
+            </a:p>
+          </p:txBody>
+        </p:sp>
+      </p:grpSp>
+      <p:sp>
+        <p:nvSpPr>
+          <p:cNvPr id="5" name="TextBox 4"/>
+          <p:cNvSpPr txBox="1"/>
+          <p:nvPr/>
+        </p:nvSpPr>
+        <p:spPr>
+          <a:xfrm>
+            <a:off x="3321788" y="5234107"/>
+            <a:ext cx="4036144" cy="923330"/>
+          </a:xfrm>
+          <a:prstGeom prst="rect">
+            <a:avLst/>
+          </a:prstGeom>
+          <a:noFill/>
+        </p:spPr>
+        <p:txBody>
+          <a:bodyPr wrap="square" rtlCol="0">
+            <a:spAutoFit/>
+          </a:bodyPr>
+          <a:lstStyle/>
+          <a:p>
+            <a:r>
+              <a:rPr lang="zh-CN" altLang="en-US" dirty="0" smtClean="0"/>
+              <a:t>啊地方了空间啊减肥啦记得浪费就爱了都快放假啊离开世界巅峰加拉觉得是浪费骄傲</a:t>
+            </a:r>
+            <a:endParaRPr lang="zh-CN" altLang="en-US" dirty="0"/>
+          </a:p>
+        </p:txBody>
+      </p:sp>
+      <p:sp>
+        <p:nvSpPr>
+          <p:cNvPr id="25" name="TextBox 24"/>
+          <p:cNvSpPr txBox="1"/>
+          <p:nvPr/>
+        </p:nvSpPr>
+        <p:spPr>
+          <a:xfrm>
+            <a:off x="7913406" y="5234107"/>
+            <a:ext cx="1897166" cy="923330"/>
+          </a:xfrm>
+          <a:prstGeom prst="rect">
+            <a:avLst/>
+          </a:prstGeom>
+          <a:noFill/>
+        </p:spPr>
+        <p:txBody>
+          <a:bodyPr wrap="square" rtlCol="0">
+            <a:spAutoFit/>
+          </a:bodyPr>
+          <a:lstStyle/>
+          <a:p>
+            <a:r>
+              <a:rPr lang="en-US" altLang="zh-CN" dirty="0" smtClean="0"/>
+              <a:t>1.</a:t>
+            </a:r>
+            <a:r>
+              <a:rPr lang="zh-CN" altLang="en-US" dirty="0" smtClean="0"/>
+              <a:t>打他</a:t>
+            </a:r>
+            <a:endParaRPr lang="en-US" altLang="zh-CN" dirty="0" smtClean="0"/>
+          </a:p>
+          <a:p>
+            <a:r>
+              <a:rPr lang="en-US" altLang="zh-CN" dirty="0" smtClean="0"/>
+              <a:t>2.</a:t>
+            </a:r>
+            <a:r>
+              <a:rPr lang="zh-CN" altLang="en-US" dirty="0" smtClean="0"/>
+              <a:t>这是个傻逼</a:t>
+            </a:r>
+            <a:endParaRPr lang="en-US" altLang="zh-CN" dirty="0" smtClean="0"/>
+          </a:p>
+          <a:p>
+            <a:r>
+              <a:rPr lang="en-US" altLang="zh-CN" dirty="0" smtClean="0"/>
+              <a:t>3.</a:t>
+            </a:r>
+            <a:r>
+              <a:rPr lang="zh-CN" altLang="en-US" dirty="0"/>
+              <a:t>陕</a:t>
+            </a:r>
+            <a:r>
+              <a:rPr lang="zh-CN" altLang="en-US" dirty="0" smtClean="0"/>
+              <a:t>西人</a:t>
+            </a:r>
+            <a:endParaRPr lang="zh-CN" altLang="en-US" dirty="0"/>
+          </a:p>
+        </p:txBody>
+      </p:sp>
+      <p:cxnSp>
+        <p:nvCxnSpPr>
+          <p:cNvPr id="27" name="Straight Connector 26"/>
+          <p:cNvCxnSpPr/>
+          <p:nvPr/>
+        </p:nvCxnSpPr>
+        <p:spPr>
+          <a:xfrm>
+            <a:off x="7554488" y="5259936"/>
+            <a:ext cx="0" cy="897501"/>
+          </a:xfrm>
+          <a:prstGeom prst="line">
+            <a:avLst/>
+          </a:prstGeom>
+          <a:ln>
+            <a:solidFill>
+              <a:schemeClr val="bg1"/>
+            </a:solidFill>
+          </a:ln>
+        </p:spPr>
+        <p:style>
+          <a:lnRef idx="1">
+            <a:schemeClr val="accent1"/>
+          </a:lnRef>
+          <a:fillRef idx="0">
+            <a:schemeClr val="accent1"/>
+          </a:fillRef>
+          <a:effectRef idx="0">
+            <a:schemeClr val="accent1"/>
+          </a:effectRef>
+          <a:fontRef idx="minor">
+            <a:schemeClr val="tx1"/>
+          </a:fontRef>
+        </p:style>
+      </p:cxnSp>
+      <p:sp>
+        <p:nvSpPr>
+          <p:cNvPr id="28" name="Heart 27"/>
+          <p:cNvSpPr/>
+          <p:nvPr/>
+        </p:nvSpPr>
+        <p:spPr>
+          <a:xfrm>
+            <a:off x="1908877" y="1743341"/>
+            <a:ext cx="384561" cy="369332"/>
+          </a:xfrm>
+          <a:prstGeom prst="heart">
+            <a:avLst/>
+          </a:prstGeom>
+          <a:solidFill>
+            <a:srgbClr val="C00000"/>
+          </a:solidFill>
+          <a:ln>
+            <a:solidFill>
+              <a:schemeClr val="bg1"/>
+            </a:solidFill>
+          </a:ln>
+        </p:spPr>
+        <p:style>
+          <a:lnRef idx="2">
+            <a:schemeClr val="accent1">
+              <a:shade val="50000"/>
+            </a:schemeClr>
+          </a:lnRef>
+          <a:fillRef idx="1">
+            <a:schemeClr val="accent1"/>
+          </a:fillRef>
+          <a:effectRef idx="0">
+            <a:schemeClr val="accent1"/>
+          </a:effectRef>
+          <a:fontRef idx="minor">
+            <a:schemeClr val="lt1"/>
+          </a:fontRef>
+        </p:style>
+        <p:txBody>
+          <a:bodyPr rtlCol="0" anchor="ctr"/>
+          <a:lstStyle/>
+          <a:p>
+            <a:pPr algn="ctr"/>
+            <a:endParaRPr lang="zh-CN" altLang="en-US"/>
+          </a:p>
+        </p:txBody>
+      </p:sp>
+      <p:sp>
+        <p:nvSpPr>
+          <p:cNvPr id="29" name="Heart 28"/>
+          <p:cNvSpPr/>
+          <p:nvPr/>
+        </p:nvSpPr>
+        <p:spPr>
+          <a:xfrm>
+            <a:off x="2356423" y="1743341"/>
+            <a:ext cx="384561" cy="369332"/>
+          </a:xfrm>
+          <a:prstGeom prst="heart">
+            <a:avLst/>
+          </a:prstGeom>
+          <a:solidFill>
+            <a:srgbClr val="C00000"/>
+          </a:solidFill>
+          <a:ln>
+            <a:solidFill>
+              <a:schemeClr val="bg1"/>
+            </a:solidFill>
+          </a:ln>
+        </p:spPr>
+        <p:style>
+          <a:lnRef idx="2">
+            <a:schemeClr val="accent1">
+              <a:shade val="50000"/>
+            </a:schemeClr>
+          </a:lnRef>
+          <a:fillRef idx="1">
+            <a:schemeClr val="accent1"/>
+          </a:fillRef>
+          <a:effectRef idx="0">
+            <a:schemeClr val="accent1"/>
+          </a:effectRef>
+          <a:fontRef idx="minor">
+            <a:schemeClr val="lt1"/>
+          </a:fontRef>
+        </p:style>
+        <p:txBody>
+          <a:bodyPr rtlCol="0" anchor="ctr"/>
+          <a:lstStyle/>
+          <a:p>
+            <a:pPr algn="ctr"/>
+            <a:endParaRPr lang="zh-CN" altLang="en-US"/>
+          </a:p>
+        </p:txBody>
+      </p:sp>
+      <p:sp>
+        <p:nvSpPr>
+          <p:cNvPr id="30" name="Heart 29"/>
+          <p:cNvSpPr/>
+          <p:nvPr/>
+        </p:nvSpPr>
+        <p:spPr>
+          <a:xfrm>
+            <a:off x="2803969" y="1743341"/>
+            <a:ext cx="384561" cy="369332"/>
+          </a:xfrm>
+          <a:prstGeom prst="heart">
+            <a:avLst/>
+          </a:prstGeom>
+          <a:solidFill>
+            <a:srgbClr val="C00000"/>
+          </a:solidFill>
+          <a:ln>
+            <a:solidFill>
+              <a:schemeClr val="bg1"/>
+            </a:solidFill>
+          </a:ln>
+        </p:spPr>
+        <p:style>
+          <a:lnRef idx="2">
+            <a:schemeClr val="accent1">
+              <a:shade val="50000"/>
+            </a:schemeClr>
+          </a:lnRef>
+          <a:fillRef idx="1">
+            <a:schemeClr val="accent1"/>
+          </a:fillRef>
+          <a:effectRef idx="0">
+            <a:schemeClr val="accent1"/>
+          </a:effectRef>
+          <a:fontRef idx="minor">
+            <a:schemeClr val="lt1"/>
+          </a:fontRef>
+        </p:style>
+        <p:txBody>
+          <a:bodyPr rtlCol="0" anchor="ctr"/>
+          <a:lstStyle/>
+          <a:p>
+            <a:pPr algn="ctr"/>
+            <a:endParaRPr lang="zh-CN" altLang="en-US"/>
+          </a:p>
+        </p:txBody>
+      </p:sp>
+    </p:spTree>
+    <p:extLst>
+      <p:ext uri="{BB962C8B-B14F-4D97-AF65-F5344CB8AC3E}">
+        <p14:creationId xmlns:p14="http://schemas.microsoft.com/office/powerpoint/2010/main" val="2804972002"/>
+      </p:ext>
+    </p:extLst>
+  </p:cSld>
+  <p:clrMapOvr>
+    <a:masterClrMapping/>
+  </p:clrMapOvr>
+</p:sld>
+</file>
+
+<file path=ppt/slides/slide5.xml><?xml version="1.0" encoding="utf-8"?>
+<p:sld xmlns:a="http://schemas.openxmlformats.org/drawingml/2006/main" xmlns:r="http://schemas.openxmlformats.org/officeDocument/2006/relationships" xmlns:p="http://schemas.openxmlformats.org/presentationml/2006/main">
+  <p:cSld>
+    <p:spTree>
+      <p:nvGrpSpPr>
+        <p:cNvPr id="1" name=""/>
+        <p:cNvGrpSpPr/>
+        <p:nvPr/>
+      </p:nvGrpSpPr>
+      <p:grpSpPr>
+        <a:xfrm>
+          <a:off x="0" y="0"/>
+          <a:ext cx="0" cy="0"/>
+          <a:chOff x="0" y="0"/>
+          <a:chExt cx="0" cy="0"/>
+        </a:xfrm>
+      </p:grpSpPr>
+      <p:sp>
+        <p:nvSpPr>
+          <p:cNvPr id="4" name="矩形 3"/>
+          <p:cNvSpPr/>
+          <p:nvPr/>
+        </p:nvSpPr>
+        <p:spPr>
+          <a:xfrm>
+            <a:off x="-10795" y="857885"/>
+            <a:ext cx="12214225" cy="224155"/>
+          </a:xfrm>
+          <a:prstGeom prst="rect">
+            <a:avLst/>
+          </a:prstGeom>
+          <a:solidFill>
+            <a:schemeClr val="accent2"/>
+          </a:solidFill>
+          <a:ln>
+            <a:noFill/>
+          </a:ln>
+        </p:spPr>
+        <p:style>
+          <a:lnRef idx="2">
+            <a:schemeClr val="accent1">
+              <a:shade val="50000"/>
+            </a:schemeClr>
+          </a:lnRef>
+          <a:fillRef idx="1">
+            <a:schemeClr val="accent1"/>
+          </a:fillRef>
+          <a:effectRef idx="0">
+            <a:schemeClr val="accent1"/>
+          </a:effectRef>
+          <a:fontRef idx="minor">
+            <a:schemeClr val="lt1"/>
+          </a:fontRef>
+        </p:style>
+        <p:txBody>
+          <a:bodyPr rtlCol="0" anchor="ctr"/>
+          <a:lstStyle/>
+          <a:p>
+            <a:pPr algn="ctr"/>
+            <a:endParaRPr lang="zh-CN" altLang="en-US"/>
+          </a:p>
+        </p:txBody>
+      </p:sp>
+      <p:sp>
+        <p:nvSpPr>
+          <p:cNvPr id="2" name="TextBox 1"/>
+          <p:cNvSpPr txBox="1"/>
+          <p:nvPr/>
+        </p:nvSpPr>
+        <p:spPr>
+          <a:xfrm>
+            <a:off x="4871103" y="94004"/>
+            <a:ext cx="2768837" cy="707886"/>
+          </a:xfrm>
+          <a:prstGeom prst="rect">
+            <a:avLst/>
+          </a:prstGeom>
+          <a:noFill/>
+        </p:spPr>
+        <p:txBody>
+          <a:bodyPr wrap="square" rtlCol="0">
+            <a:spAutoFit/>
+          </a:bodyPr>
+          <a:lstStyle/>
+          <a:p>
+            <a:pPr algn="ctr"/>
+            <a:r>
+              <a:rPr lang="zh-CN" altLang="en-US" sz="4000" dirty="0"/>
+              <a:t>游</a:t>
+            </a:r>
+            <a:r>
+              <a:rPr lang="zh-CN" altLang="en-US" sz="4000" dirty="0" smtClean="0"/>
+              <a:t>戏系统</a:t>
+            </a:r>
+            <a:endParaRPr lang="zh-CN" altLang="en-US" sz="4000" dirty="0"/>
+          </a:p>
+        </p:txBody>
+      </p:sp>
+      <p:sp>
+        <p:nvSpPr>
+          <p:cNvPr id="5" name="TextBox 4"/>
+          <p:cNvSpPr txBox="1"/>
+          <p:nvPr/>
+        </p:nvSpPr>
+        <p:spPr>
+          <a:xfrm>
+            <a:off x="3280160" y="1890066"/>
+            <a:ext cx="7538814" cy="3139321"/>
+          </a:xfrm>
+          <a:prstGeom prst="rect">
+            <a:avLst/>
+          </a:prstGeom>
+          <a:noFill/>
+        </p:spPr>
+        <p:txBody>
+          <a:bodyPr wrap="square" rtlCol="0">
+            <a:spAutoFit/>
+          </a:bodyPr>
+          <a:lstStyle/>
+          <a:p>
+            <a:r>
+              <a:rPr lang="zh-CN" altLang="en-US" dirty="0"/>
+              <a:t>对</a:t>
+            </a:r>
+            <a:r>
+              <a:rPr lang="zh-CN" altLang="en-US" dirty="0" smtClean="0"/>
+              <a:t>话系统：</a:t>
+            </a:r>
+            <a:endParaRPr lang="en-US" altLang="zh-CN" dirty="0" smtClean="0"/>
+          </a:p>
+          <a:p>
+            <a:r>
+              <a:rPr lang="zh-CN" altLang="en-US" dirty="0"/>
+              <a:t>玩</a:t>
+            </a:r>
+            <a:r>
+              <a:rPr lang="zh-CN" altLang="en-US" dirty="0" smtClean="0"/>
+              <a:t>家可以和场景中的</a:t>
+            </a:r>
+            <a:r>
+              <a:rPr lang="en-US" altLang="zh-CN" dirty="0" smtClean="0"/>
+              <a:t>NPC</a:t>
+            </a:r>
+            <a:r>
+              <a:rPr lang="zh-CN" altLang="en-US" dirty="0" smtClean="0"/>
+              <a:t>对话，了解</a:t>
+            </a:r>
+            <a:r>
+              <a:rPr lang="en-US" altLang="zh-CN" dirty="0" smtClean="0"/>
+              <a:t>NPC</a:t>
+            </a:r>
+            <a:r>
+              <a:rPr lang="zh-CN" altLang="en-US" dirty="0" smtClean="0"/>
+              <a:t>背景以及触发事件</a:t>
+            </a:r>
+            <a:endParaRPr lang="en-US" altLang="zh-CN" dirty="0" smtClean="0"/>
+          </a:p>
+          <a:p>
+            <a:r>
+              <a:rPr lang="zh-CN" altLang="en-US" dirty="0"/>
+              <a:t>道</a:t>
+            </a:r>
+            <a:r>
+              <a:rPr lang="zh-CN" altLang="en-US" dirty="0" smtClean="0"/>
+              <a:t>具系统：</a:t>
+            </a:r>
+            <a:endParaRPr lang="en-US" altLang="zh-CN" dirty="0" smtClean="0"/>
+          </a:p>
+          <a:p>
+            <a:r>
+              <a:rPr lang="zh-CN" altLang="en-US" dirty="0"/>
+              <a:t>玩</a:t>
+            </a:r>
+            <a:r>
+              <a:rPr lang="zh-CN" altLang="en-US" dirty="0" smtClean="0"/>
+              <a:t>家可以拾取和使用游戏中的道具，拾取道具有数量限制</a:t>
+            </a:r>
+            <a:endParaRPr lang="en-US" altLang="zh-CN" dirty="0" smtClean="0"/>
+          </a:p>
+          <a:p>
+            <a:r>
+              <a:rPr lang="zh-CN" altLang="en-US" dirty="0"/>
+              <a:t>金</a:t>
+            </a:r>
+            <a:r>
+              <a:rPr lang="zh-CN" altLang="en-US" dirty="0" smtClean="0"/>
+              <a:t>钱系统：</a:t>
+            </a:r>
+            <a:endParaRPr lang="en-US" altLang="zh-CN" dirty="0" smtClean="0"/>
+          </a:p>
+          <a:p>
+            <a:r>
+              <a:rPr lang="zh-CN" altLang="en-US" dirty="0"/>
+              <a:t>玩</a:t>
+            </a:r>
+            <a:r>
+              <a:rPr lang="zh-CN" altLang="en-US" dirty="0" smtClean="0"/>
+              <a:t>家每个场景都有一定数量的钱，钱可以用来结账（初始不够），也可以用来交易和做任务</a:t>
+            </a:r>
+            <a:endParaRPr lang="en-US" altLang="zh-CN" dirty="0" smtClean="0"/>
+          </a:p>
+          <a:p>
+            <a:r>
+              <a:rPr lang="zh-CN" altLang="en-US" dirty="0"/>
+              <a:t>生</a:t>
+            </a:r>
+            <a:r>
+              <a:rPr lang="zh-CN" altLang="en-US" dirty="0" smtClean="0"/>
+              <a:t>命系统：</a:t>
+            </a:r>
+            <a:endParaRPr lang="en-US" altLang="zh-CN" dirty="0" smtClean="0"/>
+          </a:p>
+          <a:p>
+            <a:r>
+              <a:rPr lang="zh-CN" altLang="en-US" dirty="0" smtClean="0"/>
+              <a:t>当玩家生命值为</a:t>
+            </a:r>
+            <a:r>
+              <a:rPr lang="en-US" altLang="zh-CN" dirty="0" smtClean="0"/>
+              <a:t>0</a:t>
+            </a:r>
+            <a:r>
+              <a:rPr lang="zh-CN" altLang="en-US" dirty="0" smtClean="0"/>
+              <a:t>时，过关失败。场景中有恢复血量的道具及事件。</a:t>
+            </a:r>
+            <a:endParaRPr lang="en-US" altLang="zh-CN" dirty="0" smtClean="0"/>
+          </a:p>
+          <a:p>
+            <a:r>
+              <a:rPr lang="zh-CN" altLang="en-US" dirty="0" smtClean="0"/>
+              <a:t>查看系统：</a:t>
+            </a:r>
+            <a:endParaRPr lang="en-US" altLang="zh-CN" dirty="0" smtClean="0"/>
+          </a:p>
+          <a:p>
+            <a:r>
+              <a:rPr lang="zh-CN" altLang="en-US" dirty="0"/>
+              <a:t>玩</a:t>
+            </a:r>
+            <a:r>
+              <a:rPr lang="zh-CN" altLang="en-US" dirty="0" smtClean="0"/>
+              <a:t>家可以对</a:t>
+            </a:r>
+            <a:r>
+              <a:rPr lang="en-US" altLang="zh-CN" dirty="0" smtClean="0"/>
+              <a:t>NPC</a:t>
+            </a:r>
+            <a:r>
+              <a:rPr lang="zh-CN" altLang="en-US" smtClean="0"/>
+              <a:t>或道具或物品进行查看，然后进行相应的操作</a:t>
+            </a:r>
+            <a:endParaRPr lang="en-US" altLang="zh-CN" dirty="0" smtClean="0"/>
+          </a:p>
+        </p:txBody>
+      </p:sp>
+    </p:spTree>
+    <p:extLst>
+      <p:ext uri="{BB962C8B-B14F-4D97-AF65-F5344CB8AC3E}">
+        <p14:creationId xmlns:p14="http://schemas.microsoft.com/office/powerpoint/2010/main" val="2708456004"/>
+      </p:ext>
+    </p:extLst>
+  </p:cSld>
+  <p:clrMapOvr>
+    <a:masterClrMapping/>
+  </p:clrMapOvr>
+</p:sld>
+</file>
+
+<file path=ppt/slides/slide6.xml><?xml version="1.0" encoding="utf-8"?>
+<p:sld xmlns:a="http://schemas.openxmlformats.org/drawingml/2006/main" xmlns:r="http://schemas.openxmlformats.org/officeDocument/2006/relationships" xmlns:p="http://schemas.openxmlformats.org/presentationml/2006/main">
+  <p:cSld>
+    <p:spTree>
+      <p:nvGrpSpPr>
+        <p:cNvPr id="1" name=""/>
+        <p:cNvGrpSpPr/>
+        <p:nvPr/>
+      </p:nvGrpSpPr>
+      <p:grpSpPr>
+        <a:xfrm>
+          <a:off x="0" y="0"/>
+          <a:ext cx="0" cy="0"/>
+          <a:chOff x="0" y="0"/>
+          <a:chExt cx="0" cy="0"/>
+        </a:xfrm>
+      </p:grpSpPr>
+      <p:sp>
+        <p:nvSpPr>
+          <p:cNvPr id="4" name="矩形 3"/>
+          <p:cNvSpPr/>
+          <p:nvPr/>
+        </p:nvSpPr>
+        <p:spPr>
+          <a:xfrm>
+            <a:off x="-10795" y="857885"/>
+            <a:ext cx="12214225" cy="224155"/>
+          </a:xfrm>
+          <a:prstGeom prst="rect">
+            <a:avLst/>
+          </a:prstGeom>
+          <a:solidFill>
+            <a:schemeClr val="accent2"/>
+          </a:solidFill>
+          <a:ln>
+            <a:noFill/>
+          </a:ln>
+        </p:spPr>
+        <p:style>
+          <a:lnRef idx="2">
+            <a:schemeClr val="accent1">
+              <a:shade val="50000"/>
+            </a:schemeClr>
+          </a:lnRef>
+          <a:fillRef idx="1">
+            <a:schemeClr val="accent1"/>
+          </a:fillRef>
+          <a:effectRef idx="0">
+            <a:schemeClr val="accent1"/>
+          </a:effectRef>
+          <a:fontRef idx="minor">
+            <a:schemeClr val="lt1"/>
+          </a:fontRef>
+        </p:style>
+        <p:txBody>
+          <a:bodyPr rtlCol="0" anchor="ctr"/>
+          <a:lstStyle/>
+          <a:p>
+            <a:pPr algn="ctr"/>
+            <a:endParaRPr lang="zh-CN" altLang="en-US"/>
+          </a:p>
+        </p:txBody>
+      </p:sp>
+      <p:sp>
+        <p:nvSpPr>
+          <p:cNvPr id="2" name="TextBox 1"/>
+          <p:cNvSpPr txBox="1"/>
+          <p:nvPr/>
+        </p:nvSpPr>
+        <p:spPr>
+          <a:xfrm>
+            <a:off x="4871103" y="94004"/>
+            <a:ext cx="2768837" cy="707886"/>
+          </a:xfrm>
+          <a:prstGeom prst="rect">
+            <a:avLst/>
+          </a:prstGeom>
+          <a:noFill/>
+        </p:spPr>
+        <p:txBody>
+          <a:bodyPr wrap="square" rtlCol="0">
+            <a:spAutoFit/>
+          </a:bodyPr>
+          <a:lstStyle/>
+          <a:p>
+            <a:pPr algn="ctr"/>
+            <a:r>
+              <a:rPr lang="zh-CN" altLang="en-US" sz="4000" dirty="0"/>
+              <a:t>游</a:t>
+            </a:r>
+            <a:r>
+              <a:rPr lang="zh-CN" altLang="en-US" sz="4000" dirty="0" smtClean="0"/>
+              <a:t>戏场景</a:t>
+            </a:r>
+            <a:endParaRPr lang="zh-CN" altLang="en-US" sz="4000" dirty="0"/>
+          </a:p>
+        </p:txBody>
+      </p:sp>
+      <p:sp>
+        <p:nvSpPr>
+          <p:cNvPr id="5" name="TextBox 4"/>
+          <p:cNvSpPr txBox="1"/>
+          <p:nvPr/>
+        </p:nvSpPr>
+        <p:spPr>
+          <a:xfrm>
+            <a:off x="3280160" y="1890066"/>
+            <a:ext cx="7538814" cy="1754326"/>
+          </a:xfrm>
+          <a:prstGeom prst="rect">
+            <a:avLst/>
+          </a:prstGeom>
+          <a:noFill/>
+        </p:spPr>
+        <p:txBody>
+          <a:bodyPr wrap="square" rtlCol="0">
+            <a:spAutoFit/>
+          </a:bodyPr>
+          <a:lstStyle/>
+          <a:p>
+            <a:r>
+              <a:rPr lang="zh-CN" altLang="en-US" dirty="0" smtClean="0"/>
+              <a:t>关卡</a:t>
+            </a:r>
+            <a:r>
+              <a:rPr lang="en-US" altLang="zh-CN" dirty="0" smtClean="0"/>
+              <a:t>1</a:t>
+            </a:r>
+            <a:r>
+              <a:rPr lang="zh-CN" altLang="en-US" dirty="0" smtClean="0"/>
+              <a:t>：某餐馆，同学聚会</a:t>
+            </a:r>
+            <a:endParaRPr lang="en-US" altLang="zh-CN" dirty="0" smtClean="0"/>
+          </a:p>
+          <a:p>
+            <a:r>
+              <a:rPr lang="zh-CN" altLang="en-US" dirty="0"/>
+              <a:t>关</a:t>
+            </a:r>
+            <a:r>
+              <a:rPr lang="zh-CN" altLang="en-US" dirty="0" smtClean="0"/>
+              <a:t>卡</a:t>
+            </a:r>
+            <a:r>
+              <a:rPr lang="en-US" altLang="zh-CN" dirty="0" smtClean="0"/>
+              <a:t>2</a:t>
+            </a:r>
+            <a:r>
+              <a:rPr lang="zh-CN" altLang="en-US" dirty="0" smtClean="0"/>
+              <a:t>：某商场，陪女友买衣服，装大款</a:t>
+            </a:r>
+            <a:endParaRPr lang="en-US" altLang="zh-CN" dirty="0" smtClean="0"/>
+          </a:p>
+          <a:p>
+            <a:r>
+              <a:rPr lang="zh-CN" altLang="en-US" dirty="0"/>
+              <a:t>关</a:t>
+            </a:r>
+            <a:r>
+              <a:rPr lang="zh-CN" altLang="en-US" dirty="0" smtClean="0"/>
+              <a:t>卡</a:t>
+            </a:r>
+            <a:r>
+              <a:rPr lang="en-US" altLang="zh-CN" dirty="0" smtClean="0"/>
+              <a:t>3</a:t>
+            </a:r>
+            <a:r>
+              <a:rPr lang="zh-CN" altLang="en-US" dirty="0" smtClean="0"/>
+              <a:t>：某旅途，在飞机上逃票，可能会触发劫机事件等</a:t>
+            </a:r>
+            <a:endParaRPr lang="en-US" altLang="zh-CN" dirty="0" smtClean="0"/>
+          </a:p>
+          <a:p>
+            <a:r>
+              <a:rPr lang="zh-CN" altLang="en-US" dirty="0"/>
+              <a:t>关</a:t>
+            </a:r>
+            <a:r>
+              <a:rPr lang="zh-CN" altLang="en-US" dirty="0" smtClean="0"/>
+              <a:t>卡</a:t>
+            </a:r>
+            <a:r>
+              <a:rPr lang="en-US" altLang="zh-CN" dirty="0" smtClean="0"/>
+              <a:t>4</a:t>
+            </a:r>
+            <a:r>
+              <a:rPr lang="zh-CN" altLang="en-US" dirty="0" smtClean="0"/>
+              <a:t>：某游乐场，逃票</a:t>
+            </a:r>
+            <a:endParaRPr lang="en-US" altLang="zh-CN" dirty="0" smtClean="0"/>
+          </a:p>
+          <a:p>
+            <a:r>
+              <a:rPr lang="zh-CN" altLang="en-US" dirty="0"/>
+              <a:t>关</a:t>
+            </a:r>
+            <a:r>
+              <a:rPr lang="zh-CN" altLang="en-US" dirty="0" smtClean="0"/>
+              <a:t>卡</a:t>
+            </a:r>
+            <a:r>
+              <a:rPr lang="en-US" altLang="zh-CN" dirty="0" smtClean="0"/>
+              <a:t>5</a:t>
+            </a:r>
+            <a:r>
+              <a:rPr lang="zh-CN" altLang="en-US" dirty="0" smtClean="0"/>
+              <a:t>：某酒吧，免费蹭吃喝</a:t>
+            </a:r>
+            <a:endParaRPr lang="en-US" altLang="zh-CN" dirty="0" smtClean="0"/>
+          </a:p>
+          <a:p>
+            <a:r>
+              <a:rPr lang="en-US" altLang="zh-CN" dirty="0"/>
+              <a:t>……</a:t>
+            </a:r>
+            <a:endParaRPr lang="en-US" altLang="zh-CN" dirty="0" smtClean="0"/>
+          </a:p>
+        </p:txBody>
+      </p:sp>
+    </p:spTree>
+    <p:extLst>
+      <p:ext uri="{BB962C8B-B14F-4D97-AF65-F5344CB8AC3E}">
+        <p14:creationId xmlns:p14="http://schemas.microsoft.com/office/powerpoint/2010/main" val="4190846378"/>
+      </p:ext>
+    </p:extLst>
   </p:cSld>
   <p:clrMapOvr>
     <a:masterClrMapping/>
@@ -3381,6 +5621,8 @@
       </a:bgFillStyleLst>
     </a:fmtScheme>
   </a:themeElements>
+  <a:objectDefaults/>
+  <a:extraClrSchemeLst/>
   <a:extLst>
     <a:ext uri="{05A4C25C-085E-4340-85A3-A5531E510DB2}">
       <thm15:themeFamily xmlns:thm15="http://schemas.microsoft.com/office/thememl/2012/main" name="Office Theme" id="{62F939B6-93AF-4DB8-9C6B-D6C7DFDC589F}" vid="{4A3C46E8-61CC-4603-A589-7422A47A8E4A}"/>
